--- a/crm_churn/docs/Modelo Anti-Churn.pptx
+++ b/crm_churn/docs/Modelo Anti-Churn.pptx
@@ -2,7 +2,7 @@
 <file path=ppt/presentation.xml><?xml version="1.0" encoding="utf-8"?>
 <p:presentation xmlns:a="http://schemas.openxmlformats.org/drawingml/2006/main" xmlns:r="http://schemas.openxmlformats.org/officeDocument/2006/relationships" xmlns:p="http://schemas.openxmlformats.org/presentationml/2006/main" autoCompressPictures="0">
   <p:sldMasterIdLst>
-    <p:sldMasterId id="2147483648" r:id="rId1"/>
+    <p:sldMasterId id="2147483678" r:id="rId1"/>
   </p:sldMasterIdLst>
   <p:sldIdLst>
     <p:sldId id="256" r:id="rId2"/>
@@ -11,7 +11,6 @@
     <p:sldId id="259" r:id="rId5"/>
     <p:sldId id="260" r:id="rId6"/>
     <p:sldId id="261" r:id="rId7"/>
-    <p:sldId id="262" r:id="rId8"/>
   </p:sldIdLst>
   <p:sldSz cx="12192000" cy="6858000"/>
   <p:notesSz cx="6858000" cy="9144000"/>
@@ -110,6 +109,11 @@
       </a:defRPr>
     </a:lvl9pPr>
   </p:defaultTextStyle>
+  <p:extLst>
+    <p:ext uri="{EFAFB233-063F-42B5-8137-9DF3F51BA10A}">
+      <p15:sldGuideLst xmlns:p15="http://schemas.microsoft.com/office/powerpoint/2012/main"/>
+    </p:ext>
+  </p:extLst>
 </p:presentation>
 </file>
 
@@ -132,84 +136,6 @@
       </p:grpSpPr>
       <p:sp>
         <p:nvSpPr>
-          <p:cNvPr id="7" name="Rectangle 6"/>
-          <p:cNvSpPr/>
-          <p:nvPr/>
-        </p:nvSpPr>
-        <p:spPr>
-          <a:xfrm>
-            <a:off x="1007533" y="0"/>
-            <a:ext cx="7934348" cy="6858000"/>
-          </a:xfrm>
-          <a:prstGeom prst="rect">
-            <a:avLst/>
-          </a:prstGeom>
-          <a:solidFill>
-            <a:schemeClr val="bg2">
-              <a:alpha val="92000"/>
-            </a:schemeClr>
-          </a:solidFill>
-          <a:ln>
-            <a:noFill/>
-          </a:ln>
-        </p:spPr>
-        <p:style>
-          <a:lnRef idx="2">
-            <a:schemeClr val="accent1">
-              <a:shade val="50000"/>
-            </a:schemeClr>
-          </a:lnRef>
-          <a:fillRef idx="1">
-            <a:schemeClr val="accent1"/>
-          </a:fillRef>
-          <a:effectRef idx="0">
-            <a:schemeClr val="accent1"/>
-          </a:effectRef>
-          <a:fontRef idx="minor">
-            <a:schemeClr val="lt1"/>
-          </a:fontRef>
-        </p:style>
-      </p:sp>
-      <p:sp>
-        <p:nvSpPr>
-          <p:cNvPr id="8" name="Rectangle 7"/>
-          <p:cNvSpPr/>
-          <p:nvPr/>
-        </p:nvSpPr>
-        <p:spPr>
-          <a:xfrm>
-            <a:off x="8941881" y="0"/>
-            <a:ext cx="27432" cy="6858000"/>
-          </a:xfrm>
-          <a:prstGeom prst="rect">
-            <a:avLst/>
-          </a:prstGeom>
-          <a:solidFill>
-            <a:schemeClr val="accent6"/>
-          </a:solidFill>
-          <a:ln>
-            <a:noFill/>
-          </a:ln>
-        </p:spPr>
-        <p:style>
-          <a:lnRef idx="2">
-            <a:schemeClr val="accent1">
-              <a:shade val="50000"/>
-            </a:schemeClr>
-          </a:lnRef>
-          <a:fillRef idx="1">
-            <a:schemeClr val="accent1"/>
-          </a:fillRef>
-          <a:effectRef idx="0">
-            <a:schemeClr val="accent1"/>
-          </a:effectRef>
-          <a:fontRef idx="minor">
-            <a:schemeClr val="lt1"/>
-          </a:fontRef>
-        </p:style>
-      </p:sp>
-      <p:sp>
-        <p:nvSpPr>
           <p:cNvPr id="2" name="Title 1"/>
           <p:cNvSpPr>
             <a:spLocks noGrp="1"/>
@@ -220,17 +146,17 @@
         </p:nvSpPr>
         <p:spPr>
           <a:xfrm>
-            <a:off x="2611808" y="3428998"/>
-            <a:ext cx="5518066" cy="2268559"/>
+            <a:off x="2417779" y="802298"/>
+            <a:ext cx="8637073" cy="2541431"/>
           </a:xfrm>
         </p:spPr>
         <p:txBody>
-          <a:bodyPr anchor="t">
+          <a:bodyPr bIns="0" anchor="b">
             <a:normAutofit/>
           </a:bodyPr>
           <a:lstStyle>
-            <a:lvl1pPr algn="r">
-              <a:defRPr sz="6000"/>
+            <a:lvl1pPr algn="l">
+              <a:defRPr sz="6600"/>
             </a:lvl1pPr>
           </a:lstStyle>
           <a:p>
@@ -254,18 +180,18 @@
         </p:nvSpPr>
         <p:spPr>
           <a:xfrm>
-            <a:off x="2772274" y="2268786"/>
-            <a:ext cx="5357600" cy="1160213"/>
+            <a:off x="2417780" y="3531204"/>
+            <a:ext cx="8637072" cy="977621"/>
           </a:xfrm>
         </p:spPr>
         <p:txBody>
-          <a:bodyPr tIns="0" anchor="b">
+          <a:bodyPr tIns="91440" bIns="91440">
             <a:normAutofit/>
           </a:bodyPr>
           <a:lstStyle>
-            <a:lvl1pPr marL="0" indent="0" algn="r">
+            <a:lvl1pPr marL="0" indent="0" algn="l">
               <a:buNone/>
-              <a:defRPr sz="1800" b="0">
+              <a:defRPr sz="1800" b="0" cap="all" baseline="0">
                 <a:solidFill>
                   <a:schemeClr val="tx1"/>
                 </a:solidFill>
@@ -329,8 +255,8 @@
           <a:lstStyle/>
           <a:p>
             <a:fld id="{9AB3A824-1A51-4B26-AD58-A6D8E14F6C04}" type="datetimeFigureOut">
-              <a:rPr lang="en-US" dirty="0"/>
-              <a:t>10/6/2020</a:t>
+              <a:rPr lang="en-US" smtClean="0"/>
+              <a:t>10/9/2020</a:t>
             </a:fld>
             <a:endParaRPr lang="en-US" dirty="0"/>
           </a:p>
@@ -346,16 +272,22 @@
             <p:ph type="ftr" sz="quarter" idx="11"/>
           </p:nvPr>
         </p:nvSpPr>
-        <p:spPr/>
+        <p:spPr>
+          <a:xfrm>
+            <a:off x="2416500" y="329307"/>
+            <a:ext cx="4973915" cy="309201"/>
+          </a:xfrm>
+        </p:spPr>
         <p:txBody>
           <a:bodyPr/>
           <a:lstStyle/>
           <a:p>
             <a:r>
-              <a:rPr lang="en-US" dirty="0"/>
+              <a:rPr lang="en-US"/>
               <a:t>
               </a:t>
             </a:r>
+            <a:endParaRPr lang="en-US" dirty="0"/>
           </a:p>
         </p:txBody>
       </p:sp>
@@ -369,61 +301,61 @@
             <p:ph type="sldNum" sz="quarter" idx="12"/>
           </p:nvPr>
         </p:nvSpPr>
-        <p:spPr/>
+        <p:spPr>
+          <a:xfrm>
+            <a:off x="1437664" y="798973"/>
+            <a:ext cx="811019" cy="503578"/>
+          </a:xfrm>
+        </p:spPr>
         <p:txBody>
-          <a:bodyPr rIns="45720"/>
+          <a:bodyPr/>
           <a:lstStyle/>
           <a:p>
             <a:fld id="{6D22F896-40B5-4ADD-8801-0D06FADFA095}" type="slidenum">
-              <a:rPr lang="en-US" dirty="0"/>
+              <a:rPr lang="en-US" smtClean="0"/>
               <a:t>‹nº›</a:t>
             </a:fld>
             <a:endParaRPr lang="en-US" dirty="0"/>
           </a:p>
         </p:txBody>
       </p:sp>
-      <p:sp>
-        <p:nvSpPr>
-          <p:cNvPr id="13" name="TextBox 12"/>
-          <p:cNvSpPr txBox="1"/>
+      <p:cxnSp>
+        <p:nvCxnSpPr>
+          <p:cNvPr id="15" name="Straight Connector 14"/>
+          <p:cNvCxnSpPr/>
           <p:nvPr/>
-        </p:nvSpPr>
+        </p:nvCxnSpPr>
         <p:spPr>
           <a:xfrm>
-            <a:off x="2191282" y="3262852"/>
-            <a:ext cx="415636" cy="461665"/>
+            <a:off x="2417780" y="3528542"/>
+            <a:ext cx="8637072" cy="0"/>
           </a:xfrm>
-          <a:prstGeom prst="rect">
+          <a:prstGeom prst="line">
             <a:avLst/>
           </a:prstGeom>
-          <a:noFill/>
+          <a:ln w="31750"/>
         </p:spPr>
-        <p:txBody>
-          <a:bodyPr wrap="square" rtlCol="0">
-            <a:spAutoFit/>
-          </a:bodyPr>
-          <a:lstStyle/>
-          <a:p>
-            <a:pPr algn="r"/>
-            <a:r>
-              <a:rPr lang="en-US" sz="2400" dirty="0">
-                <a:solidFill>
-                  <a:schemeClr val="accent6"/>
-                </a:solidFill>
-                <a:latin typeface="Wingdings 3" panose="05040102010807070707" pitchFamily="18" charset="2"/>
-              </a:rPr>
-              <a:t>z</a:t>
-            </a:r>
-            <a:endParaRPr lang="en-US" sz="2400" dirty="0">
-              <a:solidFill>
-                <a:schemeClr val="accent6"/>
-              </a:solidFill>
-              <a:latin typeface="MS Shell Dlg 2" panose="020B0604030504040204" pitchFamily="34" charset="0"/>
-            </a:endParaRPr>
-          </a:p>
-        </p:txBody>
-      </p:sp>
+        <p:style>
+          <a:lnRef idx="3">
+            <a:schemeClr val="accent1"/>
+          </a:lnRef>
+          <a:fillRef idx="0">
+            <a:schemeClr val="accent1"/>
+          </a:fillRef>
+          <a:effectRef idx="2">
+            <a:schemeClr val="accent1"/>
+          </a:effectRef>
+          <a:fontRef idx="minor">
+            <a:schemeClr val="tx1"/>
+          </a:fontRef>
+        </p:style>
+      </p:cxnSp>
     </p:spTree>
+    <p:extLst>
+      <p:ext uri="{BB962C8B-B14F-4D97-AF65-F5344CB8AC3E}">
+        <p14:creationId xmlns:p14="http://schemas.microsoft.com/office/powerpoint/2010/main" val="2827147982"/>
+      </p:ext>
+    </p:extLst>
   </p:cSld>
   <p:clrMapOvr>
     <a:masterClrMapping/>
@@ -450,125 +382,6 @@
       </p:grpSpPr>
       <p:sp>
         <p:nvSpPr>
-          <p:cNvPr id="14" name="Rectangle 13"/>
-          <p:cNvSpPr/>
-          <p:nvPr/>
-        </p:nvSpPr>
-        <p:spPr>
-          <a:xfrm>
-            <a:off x="1004479" y="0"/>
-            <a:ext cx="10372316" cy="6858000"/>
-          </a:xfrm>
-          <a:prstGeom prst="rect">
-            <a:avLst/>
-          </a:prstGeom>
-          <a:solidFill>
-            <a:schemeClr val="bg2">
-              <a:alpha val="92000"/>
-            </a:schemeClr>
-          </a:solidFill>
-          <a:ln>
-            <a:noFill/>
-          </a:ln>
-        </p:spPr>
-        <p:style>
-          <a:lnRef idx="2">
-            <a:schemeClr val="accent1">
-              <a:shade val="50000"/>
-            </a:schemeClr>
-          </a:lnRef>
-          <a:fillRef idx="1">
-            <a:schemeClr val="accent1"/>
-          </a:fillRef>
-          <a:effectRef idx="0">
-            <a:schemeClr val="accent1"/>
-          </a:effectRef>
-          <a:fontRef idx="minor">
-            <a:schemeClr val="lt1"/>
-          </a:fontRef>
-        </p:style>
-      </p:sp>
-      <p:sp>
-        <p:nvSpPr>
-          <p:cNvPr id="15" name="Rectangle 14"/>
-          <p:cNvSpPr/>
-          <p:nvPr/>
-        </p:nvSpPr>
-        <p:spPr>
-          <a:xfrm>
-            <a:off x="11377328" y="0"/>
-            <a:ext cx="27432" cy="6858000"/>
-          </a:xfrm>
-          <a:prstGeom prst="rect">
-            <a:avLst/>
-          </a:prstGeom>
-          <a:solidFill>
-            <a:schemeClr val="accent6"/>
-          </a:solidFill>
-          <a:ln>
-            <a:noFill/>
-          </a:ln>
-        </p:spPr>
-        <p:style>
-          <a:lnRef idx="2">
-            <a:schemeClr val="accent1">
-              <a:shade val="50000"/>
-            </a:schemeClr>
-          </a:lnRef>
-          <a:fillRef idx="1">
-            <a:schemeClr val="accent1"/>
-          </a:fillRef>
-          <a:effectRef idx="0">
-            <a:schemeClr val="accent1"/>
-          </a:effectRef>
-          <a:fontRef idx="minor">
-            <a:schemeClr val="lt1"/>
-          </a:fontRef>
-        </p:style>
-      </p:sp>
-      <p:sp>
-        <p:nvSpPr>
-          <p:cNvPr id="9" name="TextBox 8"/>
-          <p:cNvSpPr txBox="1"/>
-          <p:nvPr/>
-        </p:nvSpPr>
-        <p:spPr>
-          <a:xfrm>
-            <a:off x="2194236" y="641225"/>
-            <a:ext cx="415636" cy="369332"/>
-          </a:xfrm>
-          <a:prstGeom prst="rect">
-            <a:avLst/>
-          </a:prstGeom>
-          <a:noFill/>
-        </p:spPr>
-        <p:txBody>
-          <a:bodyPr wrap="square" rtlCol="0">
-            <a:spAutoFit/>
-          </a:bodyPr>
-          <a:lstStyle/>
-          <a:p>
-            <a:pPr algn="r"/>
-            <a:r>
-              <a:rPr lang="en-US" sz="1800" dirty="0">
-                <a:solidFill>
-                  <a:schemeClr val="accent6"/>
-                </a:solidFill>
-                <a:latin typeface="Wingdings 3" panose="05040102010807070707" pitchFamily="18" charset="2"/>
-              </a:rPr>
-              <a:t>z</a:t>
-            </a:r>
-            <a:endParaRPr lang="en-US" sz="1000" dirty="0">
-              <a:solidFill>
-                <a:schemeClr val="accent6"/>
-              </a:solidFill>
-              <a:latin typeface="MS Shell Dlg 2" panose="020B0604030504040204" pitchFamily="34" charset="0"/>
-            </a:endParaRPr>
-          </a:p>
-        </p:txBody>
-      </p:sp>
-      <p:sp>
-        <p:nvSpPr>
           <p:cNvPr id="2" name="Title 1"/>
           <p:cNvSpPr>
             <a:spLocks noGrp="1"/>
@@ -577,12 +390,7 @@
             <p:ph type="title"/>
           </p:nvPr>
         </p:nvSpPr>
-        <p:spPr>
-          <a:xfrm>
-            <a:off x="2611808" y="808056"/>
-            <a:ext cx="7954091" cy="1077229"/>
-          </a:xfrm>
-        </p:spPr>
+        <p:spPr/>
         <p:txBody>
           <a:bodyPr/>
           <a:lstStyle/>
@@ -663,8 +471,8 @@
           <a:lstStyle/>
           <a:p>
             <a:fld id="{D857E33E-8B18-4087-B112-809917729534}" type="datetimeFigureOut">
-              <a:rPr lang="en-US" dirty="0"/>
-              <a:t>10/6/2020</a:t>
+              <a:rPr lang="en-US" smtClean="0"/>
+              <a:t>10/9/2020</a:t>
             </a:fld>
             <a:endParaRPr lang="en-US" dirty="0"/>
           </a:p>
@@ -686,10 +494,11 @@
           <a:lstStyle/>
           <a:p>
             <a:r>
-              <a:rPr lang="en-US" dirty="0"/>
+              <a:rPr lang="en-US"/>
               <a:t>
               </a:t>
             </a:r>
+            <a:endParaRPr lang="en-US" dirty="0"/>
           </a:p>
         </p:txBody>
       </p:sp>
@@ -709,14 +518,50 @@
           <a:lstStyle/>
           <a:p>
             <a:fld id="{6D22F896-40B5-4ADD-8801-0D06FADFA095}" type="slidenum">
-              <a:rPr lang="en-US" dirty="0"/>
+              <a:rPr lang="en-US" smtClean="0"/>
               <a:t>‹nº›</a:t>
             </a:fld>
             <a:endParaRPr lang="en-US" dirty="0"/>
           </a:p>
         </p:txBody>
       </p:sp>
+      <p:cxnSp>
+        <p:nvCxnSpPr>
+          <p:cNvPr id="26" name="Straight Connector 25"/>
+          <p:cNvCxnSpPr/>
+          <p:nvPr/>
+        </p:nvCxnSpPr>
+        <p:spPr>
+          <a:xfrm>
+            <a:off x="1453896" y="1847088"/>
+            <a:ext cx="9607522" cy="0"/>
+          </a:xfrm>
+          <a:prstGeom prst="line">
+            <a:avLst/>
+          </a:prstGeom>
+          <a:ln w="31750"/>
+        </p:spPr>
+        <p:style>
+          <a:lnRef idx="3">
+            <a:schemeClr val="accent1"/>
+          </a:lnRef>
+          <a:fillRef idx="0">
+            <a:schemeClr val="accent1"/>
+          </a:fillRef>
+          <a:effectRef idx="2">
+            <a:schemeClr val="accent1"/>
+          </a:effectRef>
+          <a:fontRef idx="minor">
+            <a:schemeClr val="tx1"/>
+          </a:fontRef>
+        </p:style>
+      </p:cxnSp>
     </p:spTree>
+    <p:extLst>
+      <p:ext uri="{BB962C8B-B14F-4D97-AF65-F5344CB8AC3E}">
+        <p14:creationId xmlns:p14="http://schemas.microsoft.com/office/powerpoint/2010/main" val="345299940"/>
+      </p:ext>
+    </p:extLst>
   </p:cSld>
   <p:clrMapOvr>
     <a:masterClrMapping/>
@@ -743,125 +588,6 @@
       </p:grpSpPr>
       <p:sp>
         <p:nvSpPr>
-          <p:cNvPr id="15" name="Rectangle 14"/>
-          <p:cNvSpPr/>
-          <p:nvPr/>
-        </p:nvSpPr>
-        <p:spPr>
-          <a:xfrm>
-            <a:off x="1004479" y="0"/>
-            <a:ext cx="10372316" cy="6858000"/>
-          </a:xfrm>
-          <a:prstGeom prst="rect">
-            <a:avLst/>
-          </a:prstGeom>
-          <a:solidFill>
-            <a:schemeClr val="bg2">
-              <a:alpha val="92000"/>
-            </a:schemeClr>
-          </a:solidFill>
-          <a:ln>
-            <a:noFill/>
-          </a:ln>
-        </p:spPr>
-        <p:style>
-          <a:lnRef idx="2">
-            <a:schemeClr val="accent1">
-              <a:shade val="50000"/>
-            </a:schemeClr>
-          </a:lnRef>
-          <a:fillRef idx="1">
-            <a:schemeClr val="accent1"/>
-          </a:fillRef>
-          <a:effectRef idx="0">
-            <a:schemeClr val="accent1"/>
-          </a:effectRef>
-          <a:fontRef idx="minor">
-            <a:schemeClr val="lt1"/>
-          </a:fontRef>
-        </p:style>
-      </p:sp>
-      <p:sp>
-        <p:nvSpPr>
-          <p:cNvPr id="16" name="Rectangle 15"/>
-          <p:cNvSpPr/>
-          <p:nvPr/>
-        </p:nvSpPr>
-        <p:spPr>
-          <a:xfrm>
-            <a:off x="11377328" y="0"/>
-            <a:ext cx="27432" cy="6858000"/>
-          </a:xfrm>
-          <a:prstGeom prst="rect">
-            <a:avLst/>
-          </a:prstGeom>
-          <a:solidFill>
-            <a:schemeClr val="accent6"/>
-          </a:solidFill>
-          <a:ln>
-            <a:noFill/>
-          </a:ln>
-        </p:spPr>
-        <p:style>
-          <a:lnRef idx="2">
-            <a:schemeClr val="accent1">
-              <a:shade val="50000"/>
-            </a:schemeClr>
-          </a:lnRef>
-          <a:fillRef idx="1">
-            <a:schemeClr val="accent1"/>
-          </a:fillRef>
-          <a:effectRef idx="0">
-            <a:schemeClr val="accent1"/>
-          </a:effectRef>
-          <a:fontRef idx="minor">
-            <a:schemeClr val="lt1"/>
-          </a:fontRef>
-        </p:style>
-      </p:sp>
-      <p:sp>
-        <p:nvSpPr>
-          <p:cNvPr id="9" name="TextBox 8"/>
-          <p:cNvSpPr txBox="1"/>
-          <p:nvPr/>
-        </p:nvSpPr>
-        <p:spPr>
-          <a:xfrm rot="5400000">
-            <a:off x="10337141" y="416061"/>
-            <a:ext cx="415636" cy="369332"/>
-          </a:xfrm>
-          <a:prstGeom prst="rect">
-            <a:avLst/>
-          </a:prstGeom>
-          <a:noFill/>
-        </p:spPr>
-        <p:txBody>
-          <a:bodyPr wrap="square" rtlCol="0">
-            <a:spAutoFit/>
-          </a:bodyPr>
-          <a:lstStyle/>
-          <a:p>
-            <a:pPr algn="r"/>
-            <a:r>
-              <a:rPr lang="en-US" sz="1800" dirty="0">
-                <a:solidFill>
-                  <a:schemeClr val="accent6"/>
-                </a:solidFill>
-                <a:latin typeface="Wingdings 3" panose="05040102010807070707" pitchFamily="18" charset="2"/>
-              </a:rPr>
-              <a:t>z</a:t>
-            </a:r>
-            <a:endParaRPr lang="en-US" sz="1000" dirty="0">
-              <a:solidFill>
-                <a:schemeClr val="accent6"/>
-              </a:solidFill>
-              <a:latin typeface="MS Shell Dlg 2" panose="020B0604030504040204" pitchFamily="34" charset="0"/>
-            </a:endParaRPr>
-          </a:p>
-        </p:txBody>
-      </p:sp>
-      <p:sp>
-        <p:nvSpPr>
           <p:cNvPr id="2" name="Vertical Title 1"/>
           <p:cNvSpPr>
             <a:spLocks noGrp="1"/>
@@ -872,8 +598,8 @@
         </p:nvSpPr>
         <p:spPr>
           <a:xfrm>
-            <a:off x="9239380" y="805818"/>
-            <a:ext cx="1326519" cy="5244126"/>
+            <a:off x="9439111" y="798973"/>
+            <a:ext cx="1615742" cy="4659889"/>
           </a:xfrm>
         </p:spPr>
         <p:txBody>
@@ -904,8 +630,8 @@
         </p:nvSpPr>
         <p:spPr>
           <a:xfrm>
-            <a:off x="2608751" y="970410"/>
-            <a:ext cx="6466903" cy="5079534"/>
+            <a:off x="1444672" y="798973"/>
+            <a:ext cx="7828830" cy="4659889"/>
           </a:xfrm>
         </p:spPr>
         <p:txBody>
@@ -965,8 +691,8 @@
           <a:lstStyle/>
           <a:p>
             <a:fld id="{D3FFE419-2371-464F-8239-3959401C3561}" type="datetimeFigureOut">
-              <a:rPr lang="en-US" dirty="0"/>
-              <a:t>10/6/2020</a:t>
+              <a:rPr lang="en-US" smtClean="0"/>
+              <a:t>10/9/2020</a:t>
             </a:fld>
             <a:endParaRPr lang="en-US" dirty="0"/>
           </a:p>
@@ -988,10 +714,11 @@
           <a:lstStyle/>
           <a:p>
             <a:r>
-              <a:rPr lang="en-US" dirty="0"/>
+              <a:rPr lang="en-US"/>
               <a:t>
               </a:t>
             </a:r>
+            <a:endParaRPr lang="en-US" dirty="0"/>
           </a:p>
         </p:txBody>
       </p:sp>
@@ -1011,14 +738,50 @@
           <a:lstStyle/>
           <a:p>
             <a:fld id="{6D22F896-40B5-4ADD-8801-0D06FADFA095}" type="slidenum">
-              <a:rPr lang="en-US" dirty="0"/>
+              <a:rPr lang="en-US" smtClean="0"/>
               <a:t>‹nº›</a:t>
             </a:fld>
             <a:endParaRPr lang="en-US" dirty="0"/>
           </a:p>
         </p:txBody>
       </p:sp>
+      <p:cxnSp>
+        <p:nvCxnSpPr>
+          <p:cNvPr id="15" name="Straight Connector 14"/>
+          <p:cNvCxnSpPr/>
+          <p:nvPr/>
+        </p:nvCxnSpPr>
+        <p:spPr>
+          <a:xfrm>
+            <a:off x="9439111" y="798973"/>
+            <a:ext cx="0" cy="4659889"/>
+          </a:xfrm>
+          <a:prstGeom prst="line">
+            <a:avLst/>
+          </a:prstGeom>
+          <a:ln w="31750"/>
+        </p:spPr>
+        <p:style>
+          <a:lnRef idx="3">
+            <a:schemeClr val="accent1"/>
+          </a:lnRef>
+          <a:fillRef idx="0">
+            <a:schemeClr val="accent1"/>
+          </a:fillRef>
+          <a:effectRef idx="2">
+            <a:schemeClr val="accent1"/>
+          </a:effectRef>
+          <a:fontRef idx="minor">
+            <a:schemeClr val="tx1"/>
+          </a:fontRef>
+        </p:style>
+      </p:cxnSp>
     </p:spTree>
+    <p:extLst>
+      <p:ext uri="{BB962C8B-B14F-4D97-AF65-F5344CB8AC3E}">
+        <p14:creationId xmlns:p14="http://schemas.microsoft.com/office/powerpoint/2010/main" val="3468264321"/>
+      </p:ext>
+    </p:extLst>
   </p:cSld>
   <p:clrMapOvr>
     <a:masterClrMapping/>
@@ -1045,84 +808,6 @@
       </p:grpSpPr>
       <p:sp>
         <p:nvSpPr>
-          <p:cNvPr id="29" name="Rectangle 28"/>
-          <p:cNvSpPr/>
-          <p:nvPr/>
-        </p:nvSpPr>
-        <p:spPr>
-          <a:xfrm>
-            <a:off x="1004479" y="0"/>
-            <a:ext cx="10372316" cy="6858000"/>
-          </a:xfrm>
-          <a:prstGeom prst="rect">
-            <a:avLst/>
-          </a:prstGeom>
-          <a:solidFill>
-            <a:schemeClr val="bg2">
-              <a:alpha val="92000"/>
-            </a:schemeClr>
-          </a:solidFill>
-          <a:ln>
-            <a:noFill/>
-          </a:ln>
-        </p:spPr>
-        <p:style>
-          <a:lnRef idx="2">
-            <a:schemeClr val="accent1">
-              <a:shade val="50000"/>
-            </a:schemeClr>
-          </a:lnRef>
-          <a:fillRef idx="1">
-            <a:schemeClr val="accent1"/>
-          </a:fillRef>
-          <a:effectRef idx="0">
-            <a:schemeClr val="accent1"/>
-          </a:effectRef>
-          <a:fontRef idx="minor">
-            <a:schemeClr val="lt1"/>
-          </a:fontRef>
-        </p:style>
-      </p:sp>
-      <p:sp>
-        <p:nvSpPr>
-          <p:cNvPr id="9" name="Rectangle 8"/>
-          <p:cNvSpPr/>
-          <p:nvPr/>
-        </p:nvSpPr>
-        <p:spPr>
-          <a:xfrm>
-            <a:off x="11377328" y="0"/>
-            <a:ext cx="27432" cy="6858000"/>
-          </a:xfrm>
-          <a:prstGeom prst="rect">
-            <a:avLst/>
-          </a:prstGeom>
-          <a:solidFill>
-            <a:schemeClr val="accent6"/>
-          </a:solidFill>
-          <a:ln>
-            <a:noFill/>
-          </a:ln>
-        </p:spPr>
-        <p:style>
-          <a:lnRef idx="2">
-            <a:schemeClr val="accent1">
-              <a:shade val="50000"/>
-            </a:schemeClr>
-          </a:lnRef>
-          <a:fillRef idx="1">
-            <a:schemeClr val="accent1"/>
-          </a:fillRef>
-          <a:effectRef idx="0">
-            <a:schemeClr val="accent1"/>
-          </a:effectRef>
-          <a:fontRef idx="minor">
-            <a:schemeClr val="lt1"/>
-          </a:fontRef>
-        </p:style>
-      </p:sp>
-      <p:sp>
-        <p:nvSpPr>
           <p:cNvPr id="2" name="Title 1"/>
           <p:cNvSpPr>
             <a:spLocks noGrp="1"/>
@@ -1156,7 +841,7 @@
         </p:nvSpPr>
         <p:spPr/>
         <p:txBody>
-          <a:bodyPr anchor="ctr"/>
+          <a:bodyPr anchor="t"/>
           <a:lstStyle/>
           <a:p>
             <a:pPr lvl="0"/>
@@ -1212,8 +897,8 @@
           <a:lstStyle/>
           <a:p>
             <a:fld id="{97D162C4-EDD9-4389-A98B-B87ECEA2A816}" type="datetimeFigureOut">
-              <a:rPr lang="en-US" dirty="0"/>
-              <a:t>10/6/2020</a:t>
+              <a:rPr lang="en-US" smtClean="0"/>
+              <a:t>10/9/2020</a:t>
             </a:fld>
             <a:endParaRPr lang="en-US" dirty="0"/>
           </a:p>
@@ -1235,10 +920,11 @@
           <a:lstStyle/>
           <a:p>
             <a:r>
-              <a:rPr lang="en-US" dirty="0"/>
+              <a:rPr lang="en-US"/>
               <a:t>
               </a:t>
             </a:r>
+            <a:endParaRPr lang="en-US" dirty="0"/>
           </a:p>
         </p:txBody>
       </p:sp>
@@ -1258,55 +944,50 @@
           <a:lstStyle/>
           <a:p>
             <a:fld id="{6D22F896-40B5-4ADD-8801-0D06FADFA095}" type="slidenum">
-              <a:rPr lang="en-US" dirty="0"/>
+              <a:rPr lang="en-US" smtClean="0"/>
               <a:t>‹nº›</a:t>
             </a:fld>
             <a:endParaRPr lang="en-US" dirty="0"/>
           </a:p>
         </p:txBody>
       </p:sp>
-      <p:sp>
-        <p:nvSpPr>
-          <p:cNvPr id="7" name="TextBox 6"/>
-          <p:cNvSpPr txBox="1"/>
+      <p:cxnSp>
+        <p:nvCxnSpPr>
+          <p:cNvPr id="33" name="Straight Connector 32"/>
+          <p:cNvCxnSpPr/>
           <p:nvPr/>
-        </p:nvSpPr>
+        </p:nvCxnSpPr>
         <p:spPr>
           <a:xfrm>
-            <a:off x="2194943" y="641225"/>
-            <a:ext cx="415636" cy="369332"/>
+            <a:off x="1453896" y="1847088"/>
+            <a:ext cx="9607522" cy="0"/>
           </a:xfrm>
-          <a:prstGeom prst="rect">
+          <a:prstGeom prst="line">
             <a:avLst/>
           </a:prstGeom>
-          <a:noFill/>
+          <a:ln w="31750"/>
         </p:spPr>
-        <p:txBody>
-          <a:bodyPr wrap="square" rtlCol="0">
-            <a:spAutoFit/>
-          </a:bodyPr>
-          <a:lstStyle/>
-          <a:p>
-            <a:pPr algn="r"/>
-            <a:r>
-              <a:rPr lang="en-US" sz="1800" dirty="0">
-                <a:solidFill>
-                  <a:schemeClr val="accent6"/>
-                </a:solidFill>
-                <a:latin typeface="Wingdings 3" panose="05040102010807070707" pitchFamily="18" charset="2"/>
-              </a:rPr>
-              <a:t>z</a:t>
-            </a:r>
-            <a:endParaRPr lang="en-US" sz="1000" dirty="0">
-              <a:solidFill>
-                <a:schemeClr val="accent6"/>
-              </a:solidFill>
-              <a:latin typeface="MS Shell Dlg 2" panose="020B0604030504040204" pitchFamily="34" charset="0"/>
-            </a:endParaRPr>
-          </a:p>
-        </p:txBody>
-      </p:sp>
+        <p:style>
+          <a:lnRef idx="3">
+            <a:schemeClr val="accent1"/>
+          </a:lnRef>
+          <a:fillRef idx="0">
+            <a:schemeClr val="accent1"/>
+          </a:fillRef>
+          <a:effectRef idx="2">
+            <a:schemeClr val="accent1"/>
+          </a:effectRef>
+          <a:fontRef idx="minor">
+            <a:schemeClr val="tx1"/>
+          </a:fontRef>
+        </p:style>
+      </p:cxnSp>
     </p:spTree>
+    <p:extLst>
+      <p:ext uri="{BB962C8B-B14F-4D97-AF65-F5344CB8AC3E}">
+        <p14:creationId xmlns:p14="http://schemas.microsoft.com/office/powerpoint/2010/main" val="3938998195"/>
+      </p:ext>
+    </p:extLst>
   </p:cSld>
   <p:clrMapOvr>
     <a:masterClrMapping/>
@@ -1333,125 +1014,6 @@
       </p:grpSpPr>
       <p:sp>
         <p:nvSpPr>
-          <p:cNvPr id="24" name="Rectangle 23"/>
-          <p:cNvSpPr/>
-          <p:nvPr/>
-        </p:nvSpPr>
-        <p:spPr>
-          <a:xfrm>
-            <a:off x="1004479" y="0"/>
-            <a:ext cx="10372316" cy="6858000"/>
-          </a:xfrm>
-          <a:prstGeom prst="rect">
-            <a:avLst/>
-          </a:prstGeom>
-          <a:solidFill>
-            <a:schemeClr val="bg2">
-              <a:alpha val="92000"/>
-            </a:schemeClr>
-          </a:solidFill>
-          <a:ln>
-            <a:noFill/>
-          </a:ln>
-        </p:spPr>
-        <p:style>
-          <a:lnRef idx="2">
-            <a:schemeClr val="accent1">
-              <a:shade val="50000"/>
-            </a:schemeClr>
-          </a:lnRef>
-          <a:fillRef idx="1">
-            <a:schemeClr val="accent1"/>
-          </a:fillRef>
-          <a:effectRef idx="0">
-            <a:schemeClr val="accent1"/>
-          </a:effectRef>
-          <a:fontRef idx="minor">
-            <a:schemeClr val="lt1"/>
-          </a:fontRef>
-        </p:style>
-      </p:sp>
-      <p:sp>
-        <p:nvSpPr>
-          <p:cNvPr id="25" name="Rectangle 24"/>
-          <p:cNvSpPr/>
-          <p:nvPr/>
-        </p:nvSpPr>
-        <p:spPr>
-          <a:xfrm>
-            <a:off x="11377328" y="0"/>
-            <a:ext cx="27432" cy="6858000"/>
-          </a:xfrm>
-          <a:prstGeom prst="rect">
-            <a:avLst/>
-          </a:prstGeom>
-          <a:solidFill>
-            <a:schemeClr val="accent6"/>
-          </a:solidFill>
-          <a:ln>
-            <a:noFill/>
-          </a:ln>
-        </p:spPr>
-        <p:style>
-          <a:lnRef idx="2">
-            <a:schemeClr val="accent1">
-              <a:shade val="50000"/>
-            </a:schemeClr>
-          </a:lnRef>
-          <a:fillRef idx="1">
-            <a:schemeClr val="accent1"/>
-          </a:fillRef>
-          <a:effectRef idx="0">
-            <a:schemeClr val="accent1"/>
-          </a:effectRef>
-          <a:fontRef idx="minor">
-            <a:schemeClr val="lt1"/>
-          </a:fontRef>
-        </p:style>
-      </p:sp>
-      <p:sp>
-        <p:nvSpPr>
-          <p:cNvPr id="11" name="TextBox 10"/>
-          <p:cNvSpPr txBox="1"/>
-          <p:nvPr/>
-        </p:nvSpPr>
-        <p:spPr>
-          <a:xfrm>
-            <a:off x="2191843" y="2962586"/>
-            <a:ext cx="415636" cy="369332"/>
-          </a:xfrm>
-          <a:prstGeom prst="rect">
-            <a:avLst/>
-          </a:prstGeom>
-          <a:noFill/>
-        </p:spPr>
-        <p:txBody>
-          <a:bodyPr wrap="square" rtlCol="0">
-            <a:spAutoFit/>
-          </a:bodyPr>
-          <a:lstStyle/>
-          <a:p>
-            <a:pPr algn="r"/>
-            <a:r>
-              <a:rPr lang="en-US" sz="1800" dirty="0">
-                <a:solidFill>
-                  <a:schemeClr val="accent6"/>
-                </a:solidFill>
-                <a:latin typeface="Wingdings 3" panose="05040102010807070707" pitchFamily="18" charset="2"/>
-              </a:rPr>
-              <a:t>z</a:t>
-            </a:r>
-            <a:endParaRPr lang="en-US" sz="1000" dirty="0">
-              <a:solidFill>
-                <a:schemeClr val="accent6"/>
-              </a:solidFill>
-              <a:latin typeface="MS Shell Dlg 2" panose="020B0604030504040204" pitchFamily="34" charset="0"/>
-            </a:endParaRPr>
-          </a:p>
-        </p:txBody>
-      </p:sp>
-      <p:sp>
-        <p:nvSpPr>
           <p:cNvPr id="2" name="Title 1"/>
           <p:cNvSpPr>
             <a:spLocks noGrp="1"/>
@@ -1462,17 +1024,17 @@
         </p:nvSpPr>
         <p:spPr>
           <a:xfrm>
-            <a:off x="2609873" y="3147254"/>
-            <a:ext cx="7956560" cy="1424746"/>
+            <a:off x="1454239" y="1756130"/>
+            <a:ext cx="8643154" cy="1887950"/>
           </a:xfrm>
         </p:spPr>
         <p:txBody>
-          <a:bodyPr anchor="t">
+          <a:bodyPr anchor="b">
             <a:normAutofit/>
           </a:bodyPr>
           <a:lstStyle>
-            <a:lvl1pPr algn="r">
-              <a:defRPr sz="3200"/>
+            <a:lvl1pPr algn="l">
+              <a:defRPr sz="3600"/>
             </a:lvl1pPr>
           </a:lstStyle>
           <a:p>
@@ -1496,16 +1058,16 @@
         </p:nvSpPr>
         <p:spPr>
           <a:xfrm>
-            <a:off x="2773968" y="2268786"/>
-            <a:ext cx="7791931" cy="878468"/>
+            <a:off x="1454239" y="3806195"/>
+            <a:ext cx="8630446" cy="1012929"/>
           </a:xfrm>
         </p:spPr>
         <p:txBody>
-          <a:bodyPr tIns="0" anchor="b">
+          <a:bodyPr tIns="91440">
             <a:normAutofit/>
           </a:bodyPr>
           <a:lstStyle>
-            <a:lvl1pPr marL="0" indent="0" algn="r">
+            <a:lvl1pPr marL="0" indent="0" algn="l">
               <a:buNone/>
               <a:defRPr sz="1800">
                 <a:solidFill>
@@ -1619,8 +1181,8 @@
           <a:lstStyle/>
           <a:p>
             <a:fld id="{3E5059C3-6A89-4494-99FF-5A4D6FFD50EB}" type="datetimeFigureOut">
-              <a:rPr lang="en-US" dirty="0"/>
-              <a:t>10/6/2020</a:t>
+              <a:rPr lang="en-US" smtClean="0"/>
+              <a:t>10/9/2020</a:t>
             </a:fld>
             <a:endParaRPr lang="en-US" dirty="0"/>
           </a:p>
@@ -1642,10 +1204,11 @@
           <a:lstStyle/>
           <a:p>
             <a:r>
-              <a:rPr lang="en-US" dirty="0"/>
+              <a:rPr lang="en-US"/>
               <a:t>
               </a:t>
             </a:r>
+            <a:endParaRPr lang="en-US" dirty="0"/>
           </a:p>
         </p:txBody>
       </p:sp>
@@ -1665,14 +1228,50 @@
           <a:lstStyle/>
           <a:p>
             <a:fld id="{6D22F896-40B5-4ADD-8801-0D06FADFA095}" type="slidenum">
-              <a:rPr lang="en-US" dirty="0"/>
+              <a:rPr lang="en-US" smtClean="0"/>
               <a:t>‹nº›</a:t>
             </a:fld>
             <a:endParaRPr lang="en-US" dirty="0"/>
           </a:p>
         </p:txBody>
       </p:sp>
+      <p:cxnSp>
+        <p:nvCxnSpPr>
+          <p:cNvPr id="15" name="Straight Connector 14"/>
+          <p:cNvCxnSpPr/>
+          <p:nvPr/>
+        </p:nvCxnSpPr>
+        <p:spPr>
+          <a:xfrm>
+            <a:off x="1454239" y="3804985"/>
+            <a:ext cx="8630446" cy="0"/>
+          </a:xfrm>
+          <a:prstGeom prst="line">
+            <a:avLst/>
+          </a:prstGeom>
+          <a:ln w="31750"/>
+        </p:spPr>
+        <p:style>
+          <a:lnRef idx="3">
+            <a:schemeClr val="accent1"/>
+          </a:lnRef>
+          <a:fillRef idx="0">
+            <a:schemeClr val="accent1"/>
+          </a:fillRef>
+          <a:effectRef idx="2">
+            <a:schemeClr val="accent1"/>
+          </a:effectRef>
+          <a:fontRef idx="minor">
+            <a:schemeClr val="tx1"/>
+          </a:fontRef>
+        </p:style>
+      </p:cxnSp>
     </p:spTree>
+    <p:extLst>
+      <p:ext uri="{BB962C8B-B14F-4D97-AF65-F5344CB8AC3E}">
+        <p14:creationId xmlns:p14="http://schemas.microsoft.com/office/powerpoint/2010/main" val="1046387835"/>
+      </p:ext>
+    </p:extLst>
   </p:cSld>
   <p:clrMapOvr>
     <a:masterClrMapping/>
@@ -1699,84 +1298,6 @@
       </p:grpSpPr>
       <p:sp>
         <p:nvSpPr>
-          <p:cNvPr id="26" name="Rectangle 25"/>
-          <p:cNvSpPr/>
-          <p:nvPr/>
-        </p:nvSpPr>
-        <p:spPr>
-          <a:xfrm>
-            <a:off x="1004479" y="0"/>
-            <a:ext cx="10372316" cy="6858000"/>
-          </a:xfrm>
-          <a:prstGeom prst="rect">
-            <a:avLst/>
-          </a:prstGeom>
-          <a:solidFill>
-            <a:schemeClr val="bg2">
-              <a:alpha val="92000"/>
-            </a:schemeClr>
-          </a:solidFill>
-          <a:ln>
-            <a:noFill/>
-          </a:ln>
-        </p:spPr>
-        <p:style>
-          <a:lnRef idx="2">
-            <a:schemeClr val="accent1">
-              <a:shade val="50000"/>
-            </a:schemeClr>
-          </a:lnRef>
-          <a:fillRef idx="1">
-            <a:schemeClr val="accent1"/>
-          </a:fillRef>
-          <a:effectRef idx="0">
-            <a:schemeClr val="accent1"/>
-          </a:effectRef>
-          <a:fontRef idx="minor">
-            <a:schemeClr val="lt1"/>
-          </a:fontRef>
-        </p:style>
-      </p:sp>
-      <p:sp>
-        <p:nvSpPr>
-          <p:cNvPr id="27" name="Rectangle 26"/>
-          <p:cNvSpPr/>
-          <p:nvPr/>
-        </p:nvSpPr>
-        <p:spPr>
-          <a:xfrm>
-            <a:off x="11377328" y="0"/>
-            <a:ext cx="27432" cy="6858000"/>
-          </a:xfrm>
-          <a:prstGeom prst="rect">
-            <a:avLst/>
-          </a:prstGeom>
-          <a:solidFill>
-            <a:schemeClr val="accent6"/>
-          </a:solidFill>
-          <a:ln>
-            <a:noFill/>
-          </a:ln>
-        </p:spPr>
-        <p:style>
-          <a:lnRef idx="2">
-            <a:schemeClr val="accent1">
-              <a:shade val="50000"/>
-            </a:schemeClr>
-          </a:lnRef>
-          <a:fillRef idx="1">
-            <a:schemeClr val="accent1"/>
-          </a:fillRef>
-          <a:effectRef idx="0">
-            <a:schemeClr val="accent1"/>
-          </a:effectRef>
-          <a:fontRef idx="minor">
-            <a:schemeClr val="lt1"/>
-          </a:fontRef>
-        </p:style>
-      </p:sp>
-      <p:sp>
-        <p:nvSpPr>
           <p:cNvPr id="2" name="Title 1"/>
           <p:cNvSpPr>
             <a:spLocks noGrp="1"/>
@@ -1787,8 +1308,8 @@
         </p:nvSpPr>
         <p:spPr>
           <a:xfrm>
-            <a:off x="2609873" y="805817"/>
-            <a:ext cx="7950984" cy="1081705"/>
+            <a:off x="1449217" y="804889"/>
+            <a:ext cx="9605635" cy="1059305"/>
           </a:xfrm>
         </p:spPr>
         <p:txBody>
@@ -1815,8 +1336,8 @@
         </p:nvSpPr>
         <p:spPr>
           <a:xfrm>
-            <a:off x="2605374" y="2052116"/>
-            <a:ext cx="3891960" cy="3997828"/>
+            <a:off x="1447331" y="2010878"/>
+            <a:ext cx="4645152" cy="3448595"/>
           </a:xfrm>
         </p:spPr>
         <p:txBody>
@@ -1872,8 +1393,8 @@
         </p:nvSpPr>
         <p:spPr>
           <a:xfrm>
-            <a:off x="6666636" y="2052114"/>
-            <a:ext cx="3894222" cy="3997829"/>
+            <a:off x="6413771" y="2017343"/>
+            <a:ext cx="4645152" cy="3441520"/>
           </a:xfrm>
         </p:spPr>
         <p:txBody>
@@ -1933,8 +1454,8 @@
           <a:lstStyle/>
           <a:p>
             <a:fld id="{CA954B2F-12DE-47F5-8894-472B206D2E1E}" type="datetimeFigureOut">
-              <a:rPr lang="en-US" dirty="0"/>
-              <a:t>10/6/2020</a:t>
+              <a:rPr lang="en-US" smtClean="0"/>
+              <a:t>10/9/2020</a:t>
             </a:fld>
             <a:endParaRPr lang="en-US" dirty="0"/>
           </a:p>
@@ -1956,10 +1477,11 @@
           <a:lstStyle/>
           <a:p>
             <a:r>
-              <a:rPr lang="en-US" dirty="0"/>
+              <a:rPr lang="en-US"/>
               <a:t>
               </a:t>
             </a:r>
+            <a:endParaRPr lang="en-US" dirty="0"/>
           </a:p>
         </p:txBody>
       </p:sp>
@@ -1979,55 +1501,50 @@
           <a:lstStyle/>
           <a:p>
             <a:fld id="{6D22F896-40B5-4ADD-8801-0D06FADFA095}" type="slidenum">
-              <a:rPr lang="en-US" dirty="0"/>
+              <a:rPr lang="en-US" smtClean="0"/>
               <a:t>‹nº›</a:t>
             </a:fld>
             <a:endParaRPr lang="en-US" dirty="0"/>
           </a:p>
         </p:txBody>
       </p:sp>
-      <p:sp>
-        <p:nvSpPr>
-          <p:cNvPr id="10" name="TextBox 9"/>
-          <p:cNvSpPr txBox="1"/>
+      <p:cxnSp>
+        <p:nvCxnSpPr>
+          <p:cNvPr id="35" name="Straight Connector 34"/>
+          <p:cNvCxnSpPr/>
           <p:nvPr/>
-        </p:nvSpPr>
+        </p:nvCxnSpPr>
         <p:spPr>
           <a:xfrm>
-            <a:off x="2196172" y="641223"/>
-            <a:ext cx="415636" cy="369332"/>
+            <a:off x="1453896" y="1847088"/>
+            <a:ext cx="9607522" cy="0"/>
           </a:xfrm>
-          <a:prstGeom prst="rect">
+          <a:prstGeom prst="line">
             <a:avLst/>
           </a:prstGeom>
-          <a:noFill/>
+          <a:ln w="31750"/>
         </p:spPr>
-        <p:txBody>
-          <a:bodyPr wrap="square" rtlCol="0">
-            <a:spAutoFit/>
-          </a:bodyPr>
-          <a:lstStyle/>
-          <a:p>
-            <a:pPr algn="r"/>
-            <a:r>
-              <a:rPr lang="en-US" sz="1800" dirty="0">
-                <a:solidFill>
-                  <a:schemeClr val="accent6"/>
-                </a:solidFill>
-                <a:latin typeface="Wingdings 3" panose="05040102010807070707" pitchFamily="18" charset="2"/>
-              </a:rPr>
-              <a:t>z</a:t>
-            </a:r>
-            <a:endParaRPr lang="en-US" sz="1000" dirty="0">
-              <a:solidFill>
-                <a:schemeClr val="accent6"/>
-              </a:solidFill>
-              <a:latin typeface="MS Shell Dlg 2" panose="020B0604030504040204" pitchFamily="34" charset="0"/>
-            </a:endParaRPr>
-          </a:p>
-        </p:txBody>
-      </p:sp>
+        <p:style>
+          <a:lnRef idx="3">
+            <a:schemeClr val="accent1"/>
+          </a:lnRef>
+          <a:fillRef idx="0">
+            <a:schemeClr val="accent1"/>
+          </a:fillRef>
+          <a:effectRef idx="2">
+            <a:schemeClr val="accent1"/>
+          </a:effectRef>
+          <a:fontRef idx="minor">
+            <a:schemeClr val="tx1"/>
+          </a:fontRef>
+        </p:style>
+      </p:cxnSp>
     </p:spTree>
+    <p:extLst>
+      <p:ext uri="{BB962C8B-B14F-4D97-AF65-F5344CB8AC3E}">
+        <p14:creationId xmlns:p14="http://schemas.microsoft.com/office/powerpoint/2010/main" val="1754179508"/>
+      </p:ext>
+    </p:extLst>
   </p:cSld>
   <p:clrMapOvr>
     <a:masterClrMapping/>
@@ -2054,125 +1571,6 @@
       </p:grpSpPr>
       <p:sp>
         <p:nvSpPr>
-          <p:cNvPr id="20" name="Rectangle 19"/>
-          <p:cNvSpPr/>
-          <p:nvPr/>
-        </p:nvSpPr>
-        <p:spPr>
-          <a:xfrm>
-            <a:off x="1004479" y="0"/>
-            <a:ext cx="10372316" cy="6858000"/>
-          </a:xfrm>
-          <a:prstGeom prst="rect">
-            <a:avLst/>
-          </a:prstGeom>
-          <a:solidFill>
-            <a:schemeClr val="bg2">
-              <a:alpha val="92000"/>
-            </a:schemeClr>
-          </a:solidFill>
-          <a:ln>
-            <a:noFill/>
-          </a:ln>
-        </p:spPr>
-        <p:style>
-          <a:lnRef idx="2">
-            <a:schemeClr val="accent1">
-              <a:shade val="50000"/>
-            </a:schemeClr>
-          </a:lnRef>
-          <a:fillRef idx="1">
-            <a:schemeClr val="accent1"/>
-          </a:fillRef>
-          <a:effectRef idx="0">
-            <a:schemeClr val="accent1"/>
-          </a:effectRef>
-          <a:fontRef idx="minor">
-            <a:schemeClr val="lt1"/>
-          </a:fontRef>
-        </p:style>
-      </p:sp>
-      <p:sp>
-        <p:nvSpPr>
-          <p:cNvPr id="21" name="Rectangle 20"/>
-          <p:cNvSpPr/>
-          <p:nvPr/>
-        </p:nvSpPr>
-        <p:spPr>
-          <a:xfrm>
-            <a:off x="11377328" y="0"/>
-            <a:ext cx="27432" cy="6858000"/>
-          </a:xfrm>
-          <a:prstGeom prst="rect">
-            <a:avLst/>
-          </a:prstGeom>
-          <a:solidFill>
-            <a:schemeClr val="accent6"/>
-          </a:solidFill>
-          <a:ln>
-            <a:noFill/>
-          </a:ln>
-        </p:spPr>
-        <p:style>
-          <a:lnRef idx="2">
-            <a:schemeClr val="accent1">
-              <a:shade val="50000"/>
-            </a:schemeClr>
-          </a:lnRef>
-          <a:fillRef idx="1">
-            <a:schemeClr val="accent1"/>
-          </a:fillRef>
-          <a:effectRef idx="0">
-            <a:schemeClr val="accent1"/>
-          </a:effectRef>
-          <a:fontRef idx="minor">
-            <a:schemeClr val="lt1"/>
-          </a:fontRef>
-        </p:style>
-      </p:sp>
-      <p:sp>
-        <p:nvSpPr>
-          <p:cNvPr id="12" name="TextBox 11"/>
-          <p:cNvSpPr txBox="1"/>
-          <p:nvPr/>
-        </p:nvSpPr>
-        <p:spPr>
-          <a:xfrm>
-            <a:off x="2193650" y="636424"/>
-            <a:ext cx="415636" cy="369332"/>
-          </a:xfrm>
-          <a:prstGeom prst="rect">
-            <a:avLst/>
-          </a:prstGeom>
-          <a:noFill/>
-        </p:spPr>
-        <p:txBody>
-          <a:bodyPr wrap="square" rtlCol="0">
-            <a:spAutoFit/>
-          </a:bodyPr>
-          <a:lstStyle/>
-          <a:p>
-            <a:pPr algn="r"/>
-            <a:r>
-              <a:rPr lang="en-US" sz="1800" dirty="0">
-                <a:solidFill>
-                  <a:schemeClr val="accent6"/>
-                </a:solidFill>
-                <a:latin typeface="Wingdings 3" panose="05040102010807070707" pitchFamily="18" charset="2"/>
-              </a:rPr>
-              <a:t>z</a:t>
-            </a:r>
-            <a:endParaRPr lang="en-US" sz="1000" dirty="0">
-              <a:solidFill>
-                <a:schemeClr val="accent6"/>
-              </a:solidFill>
-              <a:latin typeface="MS Shell Dlg 2" panose="020B0604030504040204" pitchFamily="34" charset="0"/>
-            </a:endParaRPr>
-          </a:p>
-        </p:txBody>
-      </p:sp>
-      <p:sp>
-        <p:nvSpPr>
           <p:cNvPr id="2" name="Title 1"/>
           <p:cNvSpPr>
             <a:spLocks noGrp="1"/>
@@ -2183,8 +1581,8 @@
         </p:nvSpPr>
         <p:spPr>
           <a:xfrm>
-            <a:off x="2609873" y="805818"/>
-            <a:ext cx="7956560" cy="1078348"/>
+            <a:off x="1447191" y="804163"/>
+            <a:ext cx="9607661" cy="1056319"/>
           </a:xfrm>
         </p:spPr>
         <p:txBody>
@@ -2211,23 +1609,23 @@
         </p:nvSpPr>
         <p:spPr>
           <a:xfrm>
-            <a:off x="2609285" y="2052115"/>
-            <a:ext cx="3896467" cy="713818"/>
+            <a:off x="1447191" y="2019549"/>
+            <a:ext cx="4645152" cy="801943"/>
           </a:xfrm>
         </p:spPr>
         <p:txBody>
           <a:bodyPr anchor="b">
-            <a:noAutofit/>
+            <a:normAutofit/>
           </a:bodyPr>
           <a:lstStyle>
-            <a:lvl1pPr marL="0" indent="0" algn="l">
+            <a:lvl1pPr marL="0" indent="0">
               <a:lnSpc>
                 <a:spcPct val="100000"/>
               </a:lnSpc>
               <a:buNone/>
-              <a:defRPr sz="2200" b="0" cap="none" baseline="0">
+              <a:defRPr sz="2200" b="0" cap="all" baseline="0">
                 <a:solidFill>
-                  <a:schemeClr val="accent6"/>
+                  <a:schemeClr val="accent1"/>
                 </a:solidFill>
               </a:defRPr>
             </a:lvl1pPr>
@@ -2285,8 +1683,8 @@
         </p:nvSpPr>
         <p:spPr>
           <a:xfrm>
-            <a:off x="2609285" y="2851331"/>
-            <a:ext cx="3893623" cy="3071434"/>
+            <a:off x="1447191" y="2824269"/>
+            <a:ext cx="4645152" cy="2644457"/>
           </a:xfrm>
         </p:spPr>
         <p:txBody>
@@ -2342,23 +1740,23 @@
         </p:nvSpPr>
         <p:spPr>
           <a:xfrm>
-            <a:off x="6666634" y="2052115"/>
-            <a:ext cx="3899798" cy="713818"/>
+            <a:off x="6412362" y="2023003"/>
+            <a:ext cx="4645152" cy="802237"/>
           </a:xfrm>
         </p:spPr>
         <p:txBody>
           <a:bodyPr anchor="b">
-            <a:noAutofit/>
+            <a:normAutofit/>
           </a:bodyPr>
           <a:lstStyle>
-            <a:lvl1pPr marL="0" indent="0" algn="l">
+            <a:lvl1pPr marL="0" indent="0">
               <a:lnSpc>
                 <a:spcPct val="100000"/>
               </a:lnSpc>
               <a:buNone/>
-              <a:defRPr sz="2200" b="0" cap="none" baseline="0">
+              <a:defRPr sz="2200" b="0" cap="all" baseline="0">
                 <a:solidFill>
-                  <a:schemeClr val="accent6"/>
+                  <a:schemeClr val="accent1"/>
                 </a:solidFill>
               </a:defRPr>
             </a:lvl1pPr>
@@ -2416,8 +1814,8 @@
         </p:nvSpPr>
         <p:spPr>
           <a:xfrm>
-            <a:off x="6666635" y="2851331"/>
-            <a:ext cx="3899798" cy="3071434"/>
+            <a:off x="6412362" y="2821491"/>
+            <a:ext cx="4645152" cy="2637371"/>
           </a:xfrm>
         </p:spPr>
         <p:txBody>
@@ -2477,8 +1875,8 @@
           <a:lstStyle/>
           <a:p>
             <a:fld id="{3F30E46F-7819-4ACF-B48B-48222C2ACC88}" type="datetimeFigureOut">
-              <a:rPr lang="en-US" dirty="0"/>
-              <a:t>10/6/2020</a:t>
+              <a:rPr lang="en-US" smtClean="0"/>
+              <a:t>10/9/2020</a:t>
             </a:fld>
             <a:endParaRPr lang="en-US" dirty="0"/>
           </a:p>
@@ -2500,10 +1898,11 @@
           <a:lstStyle/>
           <a:p>
             <a:r>
-              <a:rPr lang="en-US" dirty="0"/>
+              <a:rPr lang="en-US"/>
               <a:t>
               </a:t>
             </a:r>
+            <a:endParaRPr lang="en-US" dirty="0"/>
           </a:p>
         </p:txBody>
       </p:sp>
@@ -2523,14 +1922,50 @@
           <a:lstStyle/>
           <a:p>
             <a:fld id="{6D22F896-40B5-4ADD-8801-0D06FADFA095}" type="slidenum">
-              <a:rPr lang="en-US" dirty="0"/>
+              <a:rPr lang="en-US" smtClean="0"/>
               <a:t>‹nº›</a:t>
             </a:fld>
             <a:endParaRPr lang="en-US" dirty="0"/>
           </a:p>
         </p:txBody>
       </p:sp>
+      <p:cxnSp>
+        <p:nvCxnSpPr>
+          <p:cNvPr id="29" name="Straight Connector 28"/>
+          <p:cNvCxnSpPr/>
+          <p:nvPr/>
+        </p:nvCxnSpPr>
+        <p:spPr>
+          <a:xfrm>
+            <a:off x="1453896" y="1847088"/>
+            <a:ext cx="9607522" cy="0"/>
+          </a:xfrm>
+          <a:prstGeom prst="line">
+            <a:avLst/>
+          </a:prstGeom>
+          <a:ln w="31750"/>
+        </p:spPr>
+        <p:style>
+          <a:lnRef idx="3">
+            <a:schemeClr val="accent1"/>
+          </a:lnRef>
+          <a:fillRef idx="0">
+            <a:schemeClr val="accent1"/>
+          </a:fillRef>
+          <a:effectRef idx="2">
+            <a:schemeClr val="accent1"/>
+          </a:effectRef>
+          <a:fontRef idx="minor">
+            <a:schemeClr val="tx1"/>
+          </a:fontRef>
+        </p:style>
+      </p:cxnSp>
     </p:spTree>
+    <p:extLst>
+      <p:ext uri="{BB962C8B-B14F-4D97-AF65-F5344CB8AC3E}">
+        <p14:creationId xmlns:p14="http://schemas.microsoft.com/office/powerpoint/2010/main" val="1690560430"/>
+      </p:ext>
+    </p:extLst>
   </p:cSld>
   <p:clrMapOvr>
     <a:masterClrMapping/>
@@ -2557,84 +1992,6 @@
       </p:grpSpPr>
       <p:sp>
         <p:nvSpPr>
-          <p:cNvPr id="13" name="Rectangle 12"/>
-          <p:cNvSpPr/>
-          <p:nvPr/>
-        </p:nvSpPr>
-        <p:spPr>
-          <a:xfrm>
-            <a:off x="1004479" y="0"/>
-            <a:ext cx="10372316" cy="6858000"/>
-          </a:xfrm>
-          <a:prstGeom prst="rect">
-            <a:avLst/>
-          </a:prstGeom>
-          <a:solidFill>
-            <a:schemeClr val="bg2">
-              <a:alpha val="92000"/>
-            </a:schemeClr>
-          </a:solidFill>
-          <a:ln>
-            <a:noFill/>
-          </a:ln>
-        </p:spPr>
-        <p:style>
-          <a:lnRef idx="2">
-            <a:schemeClr val="accent1">
-              <a:shade val="50000"/>
-            </a:schemeClr>
-          </a:lnRef>
-          <a:fillRef idx="1">
-            <a:schemeClr val="accent1"/>
-          </a:fillRef>
-          <a:effectRef idx="0">
-            <a:schemeClr val="accent1"/>
-          </a:effectRef>
-          <a:fontRef idx="minor">
-            <a:schemeClr val="lt1"/>
-          </a:fontRef>
-        </p:style>
-      </p:sp>
-      <p:sp>
-        <p:nvSpPr>
-          <p:cNvPr id="14" name="Rectangle 13"/>
-          <p:cNvSpPr/>
-          <p:nvPr/>
-        </p:nvSpPr>
-        <p:spPr>
-          <a:xfrm>
-            <a:off x="11377328" y="0"/>
-            <a:ext cx="27432" cy="6858000"/>
-          </a:xfrm>
-          <a:prstGeom prst="rect">
-            <a:avLst/>
-          </a:prstGeom>
-          <a:solidFill>
-            <a:schemeClr val="accent6"/>
-          </a:solidFill>
-          <a:ln>
-            <a:noFill/>
-          </a:ln>
-        </p:spPr>
-        <p:style>
-          <a:lnRef idx="2">
-            <a:schemeClr val="accent1">
-              <a:shade val="50000"/>
-            </a:schemeClr>
-          </a:lnRef>
-          <a:fillRef idx="1">
-            <a:schemeClr val="accent1"/>
-          </a:fillRef>
-          <a:effectRef idx="0">
-            <a:schemeClr val="accent1"/>
-          </a:effectRef>
-          <a:fontRef idx="minor">
-            <a:schemeClr val="lt1"/>
-          </a:fontRef>
-        </p:style>
-      </p:sp>
-      <p:sp>
-        <p:nvSpPr>
           <p:cNvPr id="2" name="Title 1"/>
           <p:cNvSpPr>
             <a:spLocks noGrp="1"/>
@@ -2672,8 +2029,8 @@
           <a:lstStyle/>
           <a:p>
             <a:fld id="{1FAF3416-4057-4DAA-829D-4CA07428D088}" type="datetimeFigureOut">
-              <a:rPr lang="en-US" dirty="0"/>
-              <a:t>10/6/2020</a:t>
+              <a:rPr lang="en-US" smtClean="0"/>
+              <a:t>10/9/2020</a:t>
             </a:fld>
             <a:endParaRPr lang="en-US" dirty="0"/>
           </a:p>
@@ -2695,10 +2052,11 @@
           <a:lstStyle/>
           <a:p>
             <a:r>
-              <a:rPr lang="en-US" dirty="0"/>
+              <a:rPr lang="en-US"/>
               <a:t>
               </a:t>
             </a:r>
+            <a:endParaRPr lang="en-US" dirty="0"/>
           </a:p>
         </p:txBody>
       </p:sp>
@@ -2718,55 +2076,50 @@
           <a:lstStyle/>
           <a:p>
             <a:fld id="{6D22F896-40B5-4ADD-8801-0D06FADFA095}" type="slidenum">
-              <a:rPr lang="en-US" dirty="0"/>
+              <a:rPr lang="en-US" smtClean="0"/>
               <a:t>‹nº›</a:t>
             </a:fld>
             <a:endParaRPr lang="en-US" dirty="0"/>
           </a:p>
         </p:txBody>
       </p:sp>
-      <p:sp>
-        <p:nvSpPr>
-          <p:cNvPr id="8" name="TextBox 7"/>
-          <p:cNvSpPr txBox="1"/>
+      <p:cxnSp>
+        <p:nvCxnSpPr>
+          <p:cNvPr id="25" name="Straight Connector 24"/>
+          <p:cNvCxnSpPr/>
           <p:nvPr/>
-        </p:nvSpPr>
+        </p:nvCxnSpPr>
         <p:spPr>
           <a:xfrm>
-            <a:off x="2196172" y="641226"/>
-            <a:ext cx="415636" cy="369332"/>
+            <a:off x="1453896" y="1847088"/>
+            <a:ext cx="9607522" cy="0"/>
           </a:xfrm>
-          <a:prstGeom prst="rect">
+          <a:prstGeom prst="line">
             <a:avLst/>
           </a:prstGeom>
-          <a:noFill/>
+          <a:ln w="31750"/>
         </p:spPr>
-        <p:txBody>
-          <a:bodyPr wrap="square" rtlCol="0">
-            <a:spAutoFit/>
-          </a:bodyPr>
-          <a:lstStyle/>
-          <a:p>
-            <a:pPr algn="r"/>
-            <a:r>
-              <a:rPr lang="en-US" sz="1800" dirty="0">
-                <a:solidFill>
-                  <a:schemeClr val="accent6"/>
-                </a:solidFill>
-                <a:latin typeface="Wingdings 3" panose="05040102010807070707" pitchFamily="18" charset="2"/>
-              </a:rPr>
-              <a:t>z</a:t>
-            </a:r>
-            <a:endParaRPr lang="en-US" sz="1000" dirty="0">
-              <a:solidFill>
-                <a:schemeClr val="accent6"/>
-              </a:solidFill>
-              <a:latin typeface="MS Shell Dlg 2" panose="020B0604030504040204" pitchFamily="34" charset="0"/>
-            </a:endParaRPr>
-          </a:p>
-        </p:txBody>
-      </p:sp>
+        <p:style>
+          <a:lnRef idx="3">
+            <a:schemeClr val="accent1"/>
+          </a:lnRef>
+          <a:fillRef idx="0">
+            <a:schemeClr val="accent1"/>
+          </a:fillRef>
+          <a:effectRef idx="2">
+            <a:schemeClr val="accent1"/>
+          </a:effectRef>
+          <a:fontRef idx="minor">
+            <a:schemeClr val="tx1"/>
+          </a:fontRef>
+        </p:style>
+      </p:cxnSp>
     </p:spTree>
+    <p:extLst>
+      <p:ext uri="{BB962C8B-B14F-4D97-AF65-F5344CB8AC3E}">
+        <p14:creationId xmlns:p14="http://schemas.microsoft.com/office/powerpoint/2010/main" val="3080490441"/>
+      </p:ext>
+    </p:extLst>
   </p:cSld>
   <p:clrMapOvr>
     <a:masterClrMapping/>
@@ -2793,84 +2146,6 @@
       </p:grpSpPr>
       <p:sp>
         <p:nvSpPr>
-          <p:cNvPr id="12" name="Rectangle 11"/>
-          <p:cNvSpPr/>
-          <p:nvPr/>
-        </p:nvSpPr>
-        <p:spPr>
-          <a:xfrm>
-            <a:off x="1004479" y="0"/>
-            <a:ext cx="10372316" cy="6858000"/>
-          </a:xfrm>
-          <a:prstGeom prst="rect">
-            <a:avLst/>
-          </a:prstGeom>
-          <a:solidFill>
-            <a:schemeClr val="bg2">
-              <a:alpha val="92000"/>
-            </a:schemeClr>
-          </a:solidFill>
-          <a:ln>
-            <a:noFill/>
-          </a:ln>
-        </p:spPr>
-        <p:style>
-          <a:lnRef idx="2">
-            <a:schemeClr val="accent1">
-              <a:shade val="50000"/>
-            </a:schemeClr>
-          </a:lnRef>
-          <a:fillRef idx="1">
-            <a:schemeClr val="accent1"/>
-          </a:fillRef>
-          <a:effectRef idx="0">
-            <a:schemeClr val="accent1"/>
-          </a:effectRef>
-          <a:fontRef idx="minor">
-            <a:schemeClr val="lt1"/>
-          </a:fontRef>
-        </p:style>
-      </p:sp>
-      <p:sp>
-        <p:nvSpPr>
-          <p:cNvPr id="13" name="Rectangle 12"/>
-          <p:cNvSpPr/>
-          <p:nvPr/>
-        </p:nvSpPr>
-        <p:spPr>
-          <a:xfrm>
-            <a:off x="11377328" y="0"/>
-            <a:ext cx="27432" cy="6858000"/>
-          </a:xfrm>
-          <a:prstGeom prst="rect">
-            <a:avLst/>
-          </a:prstGeom>
-          <a:solidFill>
-            <a:schemeClr val="accent6"/>
-          </a:solidFill>
-          <a:ln>
-            <a:noFill/>
-          </a:ln>
-        </p:spPr>
-        <p:style>
-          <a:lnRef idx="2">
-            <a:schemeClr val="accent1">
-              <a:shade val="50000"/>
-            </a:schemeClr>
-          </a:lnRef>
-          <a:fillRef idx="1">
-            <a:schemeClr val="accent1"/>
-          </a:fillRef>
-          <a:effectRef idx="0">
-            <a:schemeClr val="accent1"/>
-          </a:effectRef>
-          <a:fontRef idx="minor">
-            <a:schemeClr val="lt1"/>
-          </a:fontRef>
-        </p:style>
-      </p:sp>
-      <p:sp>
-        <p:nvSpPr>
           <p:cNvPr id="2" name="Date Placeholder 1"/>
           <p:cNvSpPr>
             <a:spLocks noGrp="1"/>
@@ -2885,8 +2160,8 @@
           <a:lstStyle/>
           <a:p>
             <a:fld id="{921D9284-D300-4297-87F7-E791DCC15DB1}" type="datetimeFigureOut">
-              <a:rPr lang="en-US" dirty="0"/>
-              <a:t>10/6/2020</a:t>
+              <a:rPr lang="en-US" smtClean="0"/>
+              <a:t>10/9/2020</a:t>
             </a:fld>
             <a:endParaRPr lang="en-US" dirty="0"/>
           </a:p>
@@ -2908,10 +2183,11 @@
           <a:lstStyle/>
           <a:p>
             <a:r>
-              <a:rPr lang="en-US" dirty="0"/>
+              <a:rPr lang="en-US"/>
               <a:t>
               </a:t>
             </a:r>
+            <a:endParaRPr lang="en-US" dirty="0"/>
           </a:p>
         </p:txBody>
       </p:sp>
@@ -2931,7 +2207,7 @@
           <a:lstStyle/>
           <a:p>
             <a:fld id="{6D22F896-40B5-4ADD-8801-0D06FADFA095}" type="slidenum">
-              <a:rPr lang="en-US" dirty="0"/>
+              <a:rPr lang="en-US" smtClean="0"/>
               <a:t>‹nº›</a:t>
             </a:fld>
             <a:endParaRPr lang="en-US" dirty="0"/>
@@ -2939,6 +2215,11 @@
         </p:txBody>
       </p:sp>
     </p:spTree>
+    <p:extLst>
+      <p:ext uri="{BB962C8B-B14F-4D97-AF65-F5344CB8AC3E}">
+        <p14:creationId xmlns:p14="http://schemas.microsoft.com/office/powerpoint/2010/main" val="2753607750"/>
+      </p:ext>
+    </p:extLst>
   </p:cSld>
   <p:clrMapOvr>
     <a:masterClrMapping/>
@@ -2965,125 +2246,6 @@
       </p:grpSpPr>
       <p:sp>
         <p:nvSpPr>
-          <p:cNvPr id="25" name="Rectangle 24"/>
-          <p:cNvSpPr/>
-          <p:nvPr/>
-        </p:nvSpPr>
-        <p:spPr>
-          <a:xfrm>
-            <a:off x="1004479" y="0"/>
-            <a:ext cx="10372316" cy="6858000"/>
-          </a:xfrm>
-          <a:prstGeom prst="rect">
-            <a:avLst/>
-          </a:prstGeom>
-          <a:solidFill>
-            <a:schemeClr val="bg2">
-              <a:alpha val="92000"/>
-            </a:schemeClr>
-          </a:solidFill>
-          <a:ln>
-            <a:noFill/>
-          </a:ln>
-        </p:spPr>
-        <p:style>
-          <a:lnRef idx="2">
-            <a:schemeClr val="accent1">
-              <a:shade val="50000"/>
-            </a:schemeClr>
-          </a:lnRef>
-          <a:fillRef idx="1">
-            <a:schemeClr val="accent1"/>
-          </a:fillRef>
-          <a:effectRef idx="0">
-            <a:schemeClr val="accent1"/>
-          </a:effectRef>
-          <a:fontRef idx="minor">
-            <a:schemeClr val="lt1"/>
-          </a:fontRef>
-        </p:style>
-      </p:sp>
-      <p:sp>
-        <p:nvSpPr>
-          <p:cNvPr id="26" name="Rectangle 25"/>
-          <p:cNvSpPr/>
-          <p:nvPr/>
-        </p:nvSpPr>
-        <p:spPr>
-          <a:xfrm>
-            <a:off x="11377328" y="0"/>
-            <a:ext cx="27432" cy="6858000"/>
-          </a:xfrm>
-          <a:prstGeom prst="rect">
-            <a:avLst/>
-          </a:prstGeom>
-          <a:solidFill>
-            <a:schemeClr val="accent6"/>
-          </a:solidFill>
-          <a:ln>
-            <a:noFill/>
-          </a:ln>
-        </p:spPr>
-        <p:style>
-          <a:lnRef idx="2">
-            <a:schemeClr val="accent1">
-              <a:shade val="50000"/>
-            </a:schemeClr>
-          </a:lnRef>
-          <a:fillRef idx="1">
-            <a:schemeClr val="accent1"/>
-          </a:fillRef>
-          <a:effectRef idx="0">
-            <a:schemeClr val="accent1"/>
-          </a:effectRef>
-          <a:fontRef idx="minor">
-            <a:schemeClr val="lt1"/>
-          </a:fontRef>
-        </p:style>
-      </p:sp>
-      <p:sp>
-        <p:nvSpPr>
-          <p:cNvPr id="10" name="TextBox 9"/>
-          <p:cNvSpPr txBox="1"/>
-          <p:nvPr/>
-        </p:nvSpPr>
-        <p:spPr>
-          <a:xfrm>
-            <a:off x="1554154" y="1127550"/>
-            <a:ext cx="415636" cy="369332"/>
-          </a:xfrm>
-          <a:prstGeom prst="rect">
-            <a:avLst/>
-          </a:prstGeom>
-          <a:noFill/>
-        </p:spPr>
-        <p:txBody>
-          <a:bodyPr wrap="square" rtlCol="0">
-            <a:spAutoFit/>
-          </a:bodyPr>
-          <a:lstStyle/>
-          <a:p>
-            <a:pPr algn="r"/>
-            <a:r>
-              <a:rPr lang="en-US" sz="1800" dirty="0">
-                <a:solidFill>
-                  <a:schemeClr val="accent6"/>
-                </a:solidFill>
-                <a:latin typeface="Wingdings 3" panose="05040102010807070707" pitchFamily="18" charset="2"/>
-              </a:rPr>
-              <a:t>z</a:t>
-            </a:r>
-            <a:endParaRPr lang="en-US" sz="1000" dirty="0">
-              <a:solidFill>
-                <a:schemeClr val="accent6"/>
-              </a:solidFill>
-              <a:latin typeface="MS Shell Dlg 2" panose="020B0604030504040204" pitchFamily="34" charset="0"/>
-            </a:endParaRPr>
-          </a:p>
-        </p:txBody>
-      </p:sp>
-      <p:sp>
-        <p:nvSpPr>
           <p:cNvPr id="2" name="Title 1"/>
           <p:cNvSpPr>
             <a:spLocks noGrp="1"/>
@@ -3094,8 +2256,8 @@
         </p:nvSpPr>
         <p:spPr>
           <a:xfrm>
-            <a:off x="1970323" y="1282451"/>
-            <a:ext cx="2664361" cy="1903241"/>
+            <a:off x="1444671" y="798973"/>
+            <a:ext cx="3273099" cy="2247117"/>
           </a:xfrm>
         </p:spPr>
         <p:txBody>
@@ -3128,8 +2290,8 @@
         </p:nvSpPr>
         <p:spPr>
           <a:xfrm>
-            <a:off x="5120154" y="805818"/>
-            <a:ext cx="5446278" cy="5244126"/>
+            <a:off x="5043714" y="798974"/>
+            <a:ext cx="6012470" cy="4658826"/>
           </a:xfrm>
         </p:spPr>
         <p:txBody>
@@ -3185,8 +2347,8 @@
         </p:nvSpPr>
         <p:spPr>
           <a:xfrm>
-            <a:off x="1970322" y="3186154"/>
-            <a:ext cx="2664361" cy="2386397"/>
+            <a:off x="1444671" y="3205491"/>
+            <a:ext cx="3275013" cy="2248181"/>
           </a:xfrm>
         </p:spPr>
         <p:txBody>
@@ -3254,8 +2416,8 @@
           <a:lstStyle/>
           <a:p>
             <a:fld id="{37D525BB-DA17-4BA0-B3C8-3AC3ABC827E6}" type="datetimeFigureOut">
-              <a:rPr lang="en-US" dirty="0"/>
-              <a:t>10/6/2020</a:t>
+              <a:rPr lang="en-US" smtClean="0"/>
+              <a:t>10/9/2020</a:t>
             </a:fld>
             <a:endParaRPr lang="en-US" dirty="0"/>
           </a:p>
@@ -3277,10 +2439,11 @@
           <a:lstStyle/>
           <a:p>
             <a:r>
-              <a:rPr lang="en-US" dirty="0"/>
+              <a:rPr lang="en-US"/>
               <a:t>
               </a:t>
             </a:r>
+            <a:endParaRPr lang="en-US" dirty="0"/>
           </a:p>
         </p:txBody>
       </p:sp>
@@ -3300,14 +2463,50 @@
           <a:lstStyle/>
           <a:p>
             <a:fld id="{6D22F896-40B5-4ADD-8801-0D06FADFA095}" type="slidenum">
-              <a:rPr lang="en-US" dirty="0"/>
+              <a:rPr lang="en-US" smtClean="0"/>
               <a:t>‹nº›</a:t>
             </a:fld>
             <a:endParaRPr lang="en-US" dirty="0"/>
           </a:p>
         </p:txBody>
       </p:sp>
+      <p:cxnSp>
+        <p:nvCxnSpPr>
+          <p:cNvPr id="17" name="Straight Connector 16"/>
+          <p:cNvCxnSpPr/>
+          <p:nvPr/>
+        </p:nvCxnSpPr>
+        <p:spPr>
+          <a:xfrm>
+            <a:off x="1448280" y="3205491"/>
+            <a:ext cx="3269490" cy="0"/>
+          </a:xfrm>
+          <a:prstGeom prst="line">
+            <a:avLst/>
+          </a:prstGeom>
+          <a:ln w="31750"/>
+        </p:spPr>
+        <p:style>
+          <a:lnRef idx="3">
+            <a:schemeClr val="accent1"/>
+          </a:lnRef>
+          <a:fillRef idx="0">
+            <a:schemeClr val="accent1"/>
+          </a:fillRef>
+          <a:effectRef idx="2">
+            <a:schemeClr val="accent1"/>
+          </a:effectRef>
+          <a:fontRef idx="minor">
+            <a:schemeClr val="tx1"/>
+          </a:fontRef>
+        </p:style>
+      </p:cxnSp>
     </p:spTree>
+    <p:extLst>
+      <p:ext uri="{BB962C8B-B14F-4D97-AF65-F5344CB8AC3E}">
+        <p14:creationId xmlns:p14="http://schemas.microsoft.com/office/powerpoint/2010/main" val="1130405008"/>
+      </p:ext>
+    </p:extLst>
   </p:cSld>
   <p:clrMapOvr>
     <a:masterClrMapping/>
@@ -3332,83 +2531,173 @@
           <a:chExt cx="0" cy="0"/>
         </a:xfrm>
       </p:grpSpPr>
+      <p:grpSp>
+        <p:nvGrpSpPr>
+          <p:cNvPr id="8" name="Group 7"/>
+          <p:cNvGrpSpPr/>
+          <p:nvPr/>
+        </p:nvGrpSpPr>
+        <p:grpSpPr>
+          <a:xfrm>
+            <a:off x="7477387" y="482170"/>
+            <a:ext cx="4074533" cy="5149101"/>
+            <a:chOff x="7477387" y="482170"/>
+            <a:chExt cx="4074533" cy="5149101"/>
+          </a:xfrm>
+        </p:grpSpPr>
+        <p:sp>
+          <p:nvSpPr>
+            <p:cNvPr id="18" name="Rectangle 17"/>
+            <p:cNvSpPr/>
+            <p:nvPr/>
+          </p:nvSpPr>
+          <p:spPr bwMode="black">
+            <a:xfrm>
+              <a:off x="7477387" y="482170"/>
+              <a:ext cx="4074533" cy="5149101"/>
+            </a:xfrm>
+            <a:prstGeom prst="rect">
+              <a:avLst/>
+            </a:prstGeom>
+            <a:gradFill>
+              <a:gsLst>
+                <a:gs pos="0">
+                  <a:srgbClr val="000001"/>
+                </a:gs>
+                <a:gs pos="100000">
+                  <a:srgbClr val="191919"/>
+                </a:gs>
+              </a:gsLst>
+            </a:gradFill>
+            <a:ln w="76200" cmpd="sng">
+              <a:noFill/>
+              <a:miter lim="800000"/>
+            </a:ln>
+            <a:effectLst>
+              <a:outerShdw blurRad="127000" dist="228600" dir="4740000" sx="98000" sy="98000" algn="tl" rotWithShape="0">
+                <a:srgbClr val="000000">
+                  <a:alpha val="34000"/>
+                </a:srgbClr>
+              </a:outerShdw>
+            </a:effectLst>
+            <a:scene3d>
+              <a:camera prst="orthographicFront"/>
+              <a:lightRig rig="threePt" dir="t"/>
+            </a:scene3d>
+            <a:sp3d>
+              <a:bevelT w="152400" h="50800" prst="softRound"/>
+            </a:sp3d>
+          </p:spPr>
+          <p:style>
+            <a:lnRef idx="1">
+              <a:schemeClr val="accent1"/>
+            </a:lnRef>
+            <a:fillRef idx="3">
+              <a:schemeClr val="accent1"/>
+            </a:fillRef>
+            <a:effectRef idx="2">
+              <a:schemeClr val="accent1"/>
+            </a:effectRef>
+            <a:fontRef idx="minor">
+              <a:schemeClr val="lt1"/>
+            </a:fontRef>
+          </p:style>
+        </p:sp>
+        <p:sp>
+          <p:nvSpPr>
+            <p:cNvPr id="19" name="Rectangle 18"/>
+            <p:cNvSpPr/>
+            <p:nvPr/>
+          </p:nvSpPr>
+          <p:spPr bwMode="blackWhite">
+            <a:xfrm>
+              <a:off x="7790446" y="812506"/>
+              <a:ext cx="3450289" cy="4466452"/>
+            </a:xfrm>
+            <a:prstGeom prst="rect">
+              <a:avLst/>
+            </a:prstGeom>
+            <a:gradFill>
+              <a:gsLst>
+                <a:gs pos="0">
+                  <a:srgbClr val="DADADA"/>
+                </a:gs>
+                <a:gs pos="100000">
+                  <a:srgbClr val="FFFFFE"/>
+                </a:gs>
+              </a:gsLst>
+              <a:lin ang="16200000" scaled="0"/>
+            </a:gradFill>
+            <a:ln w="50800" cmpd="sng">
+              <a:solidFill>
+                <a:srgbClr val="191919"/>
+              </a:solidFill>
+              <a:miter lim="800000"/>
+            </a:ln>
+            <a:effectLst>
+              <a:innerShdw blurRad="63500" dist="88900" dir="14100000">
+                <a:srgbClr val="000000">
+                  <a:alpha val="30000"/>
+                </a:srgbClr>
+              </a:innerShdw>
+            </a:effectLst>
+            <a:scene3d>
+              <a:camera prst="orthographicFront"/>
+              <a:lightRig rig="threePt" dir="t"/>
+            </a:scene3d>
+            <a:sp3d>
+              <a:bevelT prst="relaxedInset"/>
+            </a:sp3d>
+          </p:spPr>
+          <p:style>
+            <a:lnRef idx="1">
+              <a:schemeClr val="accent1"/>
+            </a:lnRef>
+            <a:fillRef idx="3">
+              <a:schemeClr val="accent1"/>
+            </a:fillRef>
+            <a:effectRef idx="2">
+              <a:schemeClr val="accent1"/>
+            </a:effectRef>
+            <a:fontRef idx="minor">
+              <a:schemeClr val="lt1"/>
+            </a:fontRef>
+          </p:style>
+        </p:sp>
+      </p:grpSp>
       <p:sp>
         <p:nvSpPr>
-          <p:cNvPr id="19" name="Rectangle 18"/>
-          <p:cNvSpPr/>
-          <p:nvPr/>
+          <p:cNvPr id="2" name="Title 1"/>
+          <p:cNvSpPr>
+            <a:spLocks noGrp="1"/>
+          </p:cNvSpPr>
+          <p:nvPr>
+            <p:ph type="title"/>
+          </p:nvPr>
         </p:nvSpPr>
         <p:spPr>
           <a:xfrm>
-            <a:off x="1004479" y="0"/>
-            <a:ext cx="10372316" cy="6858000"/>
+            <a:off x="1451206" y="1129513"/>
+            <a:ext cx="5532328" cy="1830584"/>
           </a:xfrm>
-          <a:prstGeom prst="rect">
-            <a:avLst/>
-          </a:prstGeom>
-          <a:solidFill>
-            <a:schemeClr val="bg2">
-              <a:alpha val="92000"/>
-            </a:schemeClr>
-          </a:solidFill>
-          <a:ln>
-            <a:noFill/>
-          </a:ln>
         </p:spPr>
-        <p:style>
-          <a:lnRef idx="2">
-            <a:schemeClr val="accent1">
-              <a:shade val="50000"/>
-            </a:schemeClr>
-          </a:lnRef>
-          <a:fillRef idx="1">
-            <a:schemeClr val="accent1"/>
-          </a:fillRef>
-          <a:effectRef idx="0">
-            <a:schemeClr val="accent1"/>
-          </a:effectRef>
-          <a:fontRef idx="minor">
-            <a:schemeClr val="lt1"/>
-          </a:fontRef>
-        </p:style>
-      </p:sp>
-      <p:sp>
-        <p:nvSpPr>
-          <p:cNvPr id="20" name="Rectangle 19"/>
-          <p:cNvSpPr/>
-          <p:nvPr/>
-        </p:nvSpPr>
-        <p:spPr>
-          <a:xfrm>
-            <a:off x="11377328" y="0"/>
-            <a:ext cx="27432" cy="6858000"/>
-          </a:xfrm>
-          <a:prstGeom prst="rect">
-            <a:avLst/>
-          </a:prstGeom>
-          <a:solidFill>
-            <a:schemeClr val="accent6"/>
-          </a:solidFill>
-          <a:ln>
-            <a:noFill/>
-          </a:ln>
-        </p:spPr>
-        <p:style>
-          <a:lnRef idx="2">
-            <a:schemeClr val="accent1">
-              <a:shade val="50000"/>
-            </a:schemeClr>
-          </a:lnRef>
-          <a:fillRef idx="1">
-            <a:schemeClr val="accent1"/>
-          </a:fillRef>
-          <a:effectRef idx="0">
-            <a:schemeClr val="accent1"/>
-          </a:effectRef>
-          <a:fontRef idx="minor">
-            <a:schemeClr val="lt1"/>
-          </a:fontRef>
-        </p:style>
+        <p:txBody>
+          <a:bodyPr anchor="b">
+            <a:normAutofit/>
+          </a:bodyPr>
+          <a:lstStyle>
+            <a:lvl1pPr>
+              <a:defRPr sz="3200"/>
+            </a:lvl1pPr>
+          </a:lstStyle>
+          <a:p>
+            <a:r>
+              <a:rPr lang="pt-BR"/>
+              <a:t>Clique para editar o título Mestre</a:t>
+            </a:r>
+            <a:endParaRPr lang="en-US" dirty="0"/>
+          </a:p>
+        </p:txBody>
       </p:sp>
       <p:sp>
         <p:nvSpPr>
@@ -3422,12 +2711,12 @@
         </p:nvSpPr>
         <p:spPr>
           <a:xfrm>
-            <a:off x="6747062" y="3229"/>
-            <a:ext cx="4629734" cy="6858000"/>
+            <a:off x="8124389" y="1122542"/>
+            <a:ext cx="2791171" cy="3866327"/>
           </a:xfrm>
           <a:solidFill>
-            <a:schemeClr val="tx1">
-              <a:alpha val="10000"/>
+            <a:schemeClr val="bg1">
+              <a:lumMod val="85000"/>
             </a:schemeClr>
           </a:solidFill>
           <a:ln w="9525" cap="sq">
@@ -3435,27 +2724,13 @@
             <a:miter lim="800000"/>
           </a:ln>
           <a:effectLst/>
-          <a:scene3d>
-            <a:camera prst="orthographicFront"/>
-            <a:lightRig rig="twoPt" dir="t">
-              <a:rot lat="0" lon="0" rev="7200000"/>
-            </a:lightRig>
-          </a:scene3d>
-          <a:sp3d>
-            <a:bevelT w="25400" h="19050"/>
-            <a:contourClr>
-              <a:srgbClr val="FFFFFF"/>
-            </a:contourClr>
-          </a:sp3d>
         </p:spPr>
         <p:txBody>
-          <a:bodyPr anchor="t">
-            <a:normAutofit/>
-          </a:bodyPr>
+          <a:bodyPr anchor="t"/>
           <a:lstStyle>
             <a:lvl1pPr marL="0" indent="0" algn="ctr">
               <a:buNone/>
-              <a:defRPr sz="2800"/>
+              <a:defRPr sz="3200"/>
             </a:lvl1pPr>
             <a:lvl2pPr marL="457200" indent="0">
               <a:buNone/>
@@ -3501,81 +2776,6 @@
       </p:sp>
       <p:sp>
         <p:nvSpPr>
-          <p:cNvPr id="10" name="TextBox 9"/>
-          <p:cNvSpPr txBox="1"/>
-          <p:nvPr/>
-        </p:nvSpPr>
-        <p:spPr>
-          <a:xfrm>
-            <a:off x="1554686" y="1127550"/>
-            <a:ext cx="415636" cy="369332"/>
-          </a:xfrm>
-          <a:prstGeom prst="rect">
-            <a:avLst/>
-          </a:prstGeom>
-          <a:noFill/>
-        </p:spPr>
-        <p:txBody>
-          <a:bodyPr wrap="square" rtlCol="0">
-            <a:spAutoFit/>
-          </a:bodyPr>
-          <a:lstStyle/>
-          <a:p>
-            <a:pPr algn="r"/>
-            <a:r>
-              <a:rPr lang="en-US" sz="1800" dirty="0">
-                <a:solidFill>
-                  <a:schemeClr val="accent6"/>
-                </a:solidFill>
-                <a:latin typeface="Wingdings 3" panose="05040102010807070707" pitchFamily="18" charset="2"/>
-              </a:rPr>
-              <a:t>z</a:t>
-            </a:r>
-            <a:endParaRPr lang="en-US" sz="1000" dirty="0">
-              <a:solidFill>
-                <a:schemeClr val="accent6"/>
-              </a:solidFill>
-              <a:latin typeface="MS Shell Dlg 2" panose="020B0604030504040204" pitchFamily="34" charset="0"/>
-            </a:endParaRPr>
-          </a:p>
-        </p:txBody>
-      </p:sp>
-      <p:sp>
-        <p:nvSpPr>
-          <p:cNvPr id="2" name="Title 1"/>
-          <p:cNvSpPr>
-            <a:spLocks noGrp="1"/>
-          </p:cNvSpPr>
-          <p:nvPr>
-            <p:ph type="title"/>
-          </p:nvPr>
-        </p:nvSpPr>
-        <p:spPr>
-          <a:xfrm>
-            <a:off x="1971241" y="1282452"/>
-            <a:ext cx="3970986" cy="1900473"/>
-          </a:xfrm>
-        </p:spPr>
-        <p:txBody>
-          <a:bodyPr anchor="b">
-            <a:normAutofit/>
-          </a:bodyPr>
-          <a:lstStyle>
-            <a:lvl1pPr algn="l">
-              <a:defRPr sz="3200"/>
-            </a:lvl1pPr>
-          </a:lstStyle>
-          <a:p>
-            <a:r>
-              <a:rPr lang="pt-BR"/>
-              <a:t>Clique para editar o título Mestre</a:t>
-            </a:r>
-            <a:endParaRPr lang="en-US" dirty="0"/>
-          </a:p>
-        </p:txBody>
-      </p:sp>
-      <p:sp>
-        <p:nvSpPr>
           <p:cNvPr id="4" name="Text Placeholder 3"/>
           <p:cNvSpPr>
             <a:spLocks noGrp="1"/>
@@ -3586,8 +2786,8 @@
         </p:nvSpPr>
         <p:spPr>
           <a:xfrm>
-            <a:off x="1970322" y="3182928"/>
-            <a:ext cx="3971874" cy="2386394"/>
+            <a:off x="1450329" y="3145992"/>
+            <a:ext cx="5524404" cy="2003742"/>
           </a:xfrm>
         </p:spPr>
         <p:txBody>
@@ -3597,7 +2797,7 @@
           <a:lstStyle>
             <a:lvl1pPr marL="0" indent="0" algn="l">
               <a:buNone/>
-              <a:defRPr sz="2000"/>
+              <a:defRPr sz="1800"/>
             </a:lvl1pPr>
             <a:lvl2pPr marL="457200" indent="0">
               <a:buNone/>
@@ -3651,14 +2851,23 @@
             <p:ph type="dt" sz="half" idx="10"/>
           </p:nvPr>
         </p:nvSpPr>
-        <p:spPr/>
+        <p:spPr>
+          <a:xfrm>
+            <a:off x="1447382" y="5469856"/>
+            <a:ext cx="5527351" cy="320123"/>
+          </a:xfrm>
+        </p:spPr>
         <p:txBody>
           <a:bodyPr/>
-          <a:lstStyle/>
+          <a:lstStyle>
+            <a:lvl1pPr algn="l">
+              <a:defRPr/>
+            </a:lvl1pPr>
+          </a:lstStyle>
           <a:p>
             <a:fld id="{B16C4C9A-3960-41CF-A4E9-2A8FB932454B}" type="datetimeFigureOut">
-              <a:rPr lang="en-US" dirty="0"/>
-              <a:t>10/6/2020</a:t>
+              <a:rPr lang="en-US" smtClean="0"/>
+              <a:t>10/9/2020</a:t>
             </a:fld>
             <a:endParaRPr lang="en-US" dirty="0"/>
           </a:p>
@@ -3674,16 +2883,22 @@
             <p:ph type="ftr" sz="quarter" idx="11"/>
           </p:nvPr>
         </p:nvSpPr>
-        <p:spPr/>
+        <p:spPr>
+          <a:xfrm>
+            <a:off x="1447382" y="318640"/>
+            <a:ext cx="5541004" cy="320931"/>
+          </a:xfrm>
+        </p:spPr>
         <p:txBody>
           <a:bodyPr/>
           <a:lstStyle/>
           <a:p>
             <a:r>
-              <a:rPr lang="en-US" dirty="0"/>
+              <a:rPr lang="en-US"/>
               <a:t>
               </a:t>
             </a:r>
+            <a:endParaRPr lang="en-US" dirty="0"/>
           </a:p>
         </p:txBody>
       </p:sp>
@@ -3703,14 +2918,50 @@
           <a:lstStyle/>
           <a:p>
             <a:fld id="{6D22F896-40B5-4ADD-8801-0D06FADFA095}" type="slidenum">
-              <a:rPr lang="en-US" dirty="0"/>
+              <a:rPr lang="en-US" smtClean="0"/>
               <a:t>‹nº›</a:t>
             </a:fld>
             <a:endParaRPr lang="en-US" dirty="0"/>
           </a:p>
         </p:txBody>
       </p:sp>
+      <p:cxnSp>
+        <p:nvCxnSpPr>
+          <p:cNvPr id="31" name="Straight Connector 30"/>
+          <p:cNvCxnSpPr/>
+          <p:nvPr/>
+        </p:nvCxnSpPr>
+        <p:spPr>
+          <a:xfrm>
+            <a:off x="1447382" y="3143605"/>
+            <a:ext cx="5527351" cy="0"/>
+          </a:xfrm>
+          <a:prstGeom prst="line">
+            <a:avLst/>
+          </a:prstGeom>
+          <a:ln w="31750"/>
+        </p:spPr>
+        <p:style>
+          <a:lnRef idx="3">
+            <a:schemeClr val="accent1"/>
+          </a:lnRef>
+          <a:fillRef idx="0">
+            <a:schemeClr val="accent1"/>
+          </a:fillRef>
+          <a:effectRef idx="2">
+            <a:schemeClr val="accent1"/>
+          </a:effectRef>
+          <a:fontRef idx="minor">
+            <a:schemeClr val="tx1"/>
+          </a:fontRef>
+        </p:style>
+      </p:cxnSp>
     </p:spTree>
+    <p:extLst>
+      <p:ext uri="{BB962C8B-B14F-4D97-AF65-F5344CB8AC3E}">
+        <p14:creationId xmlns:p14="http://schemas.microsoft.com/office/powerpoint/2010/main" val="4123337791"/>
+      </p:ext>
+    </p:extLst>
   </p:cSld>
   <p:clrMapOvr>
     <a:masterClrMapping/>
@@ -3723,7 +2974,7 @@
   <p:cSld>
     <p:bg>
       <p:bgRef idx="1003">
-        <a:schemeClr val="bg1"/>
+        <a:schemeClr val="bg2"/>
       </p:bgRef>
     </p:bg>
     <p:spTree>
@@ -3740,66 +2991,6 @@
           <a:chExt cx="0" cy="0"/>
         </a:xfrm>
       </p:grpSpPr>
-      <p:pic>
-        <p:nvPicPr>
-          <p:cNvPr id="18" name="Picture 17"/>
-          <p:cNvPicPr>
-            <a:picLocks noChangeAspect="1"/>
-          </p:cNvPicPr>
-          <p:nvPr/>
-        </p:nvPicPr>
-        <p:blipFill>
-          <a:blip r:embed="rId13">
-            <a:extLst>
-              <a:ext uri="{28A0092B-C50C-407E-A947-70E740481C1C}">
-                <a14:useLocalDpi xmlns:a14="http://schemas.microsoft.com/office/drawing/2010/main" val="0"/>
-              </a:ext>
-            </a:extLst>
-          </a:blip>
-          <a:stretch>
-            <a:fillRect/>
-          </a:stretch>
-        </p:blipFill>
-        <p:spPr>
-          <a:xfrm>
-            <a:off x="2831794" y="2105202"/>
-            <a:ext cx="9360205" cy="4752798"/>
-          </a:xfrm>
-          <a:prstGeom prst="rect">
-            <a:avLst/>
-          </a:prstGeom>
-        </p:spPr>
-      </p:pic>
-      <p:pic>
-        <p:nvPicPr>
-          <p:cNvPr id="15" name="Picture 14"/>
-          <p:cNvPicPr>
-            <a:picLocks noChangeAspect="1"/>
-          </p:cNvPicPr>
-          <p:nvPr/>
-        </p:nvPicPr>
-        <p:blipFill>
-          <a:blip r:embed="rId14">
-            <a:extLst>
-              <a:ext uri="{28A0092B-C50C-407E-A947-70E740481C1C}">
-                <a14:useLocalDpi xmlns:a14="http://schemas.microsoft.com/office/drawing/2010/main" val="0"/>
-              </a:ext>
-            </a:extLst>
-          </a:blip>
-          <a:stretch>
-            <a:fillRect/>
-          </a:stretch>
-        </p:blipFill>
-        <p:spPr>
-          <a:xfrm>
-            <a:off x="0" y="0"/>
-            <a:ext cx="12189867" cy="6858000"/>
-          </a:xfrm>
-          <a:prstGeom prst="rect">
-            <a:avLst/>
-          </a:prstGeom>
-        </p:spPr>
-      </p:pic>
       <p:sp>
         <p:nvSpPr>
           <p:cNvPr id="8" name="Rectangle 7"/>
@@ -3808,15 +2999,26 @@
         </p:nvSpPr>
         <p:spPr>
           <a:xfrm>
-            <a:off x="0" y="0"/>
-            <a:ext cx="964174" cy="6858000"/>
+            <a:off x="0" y="2019476"/>
+            <a:ext cx="12192000" cy="4105941"/>
           </a:xfrm>
           <a:prstGeom prst="rect">
             <a:avLst/>
           </a:prstGeom>
-          <a:solidFill>
-            <a:schemeClr val="bg2"/>
-          </a:solidFill>
+          <a:gradFill flip="none" rotWithShape="1">
+            <a:gsLst>
+              <a:gs pos="0">
+                <a:schemeClr val="bg2">
+                  <a:alpha val="0"/>
+                </a:schemeClr>
+              </a:gs>
+              <a:gs pos="100000">
+                <a:schemeClr val="bg2"/>
+              </a:gs>
+            </a:gsLst>
+            <a:lin ang="5400000" scaled="0"/>
+            <a:tileRect/>
+          </a:gradFill>
           <a:ln>
             <a:noFill/>
           </a:ln>
@@ -3838,6 +3040,35 @@
           </a:fontRef>
         </p:style>
       </p:sp>
+      <p:pic>
+        <p:nvPicPr>
+          <p:cNvPr id="7" name="Picture 6"/>
+          <p:cNvPicPr>
+            <a:picLocks noChangeAspect="1"/>
+          </p:cNvPicPr>
+          <p:nvPr/>
+        </p:nvPicPr>
+        <p:blipFill rotWithShape="1">
+          <a:blip r:embed="rId13">
+            <a:extLst>
+              <a:ext uri="{28A0092B-C50C-407E-A947-70E740481C1C}">
+                <a14:useLocalDpi xmlns:a14="http://schemas.microsoft.com/office/drawing/2010/main" val="0"/>
+              </a:ext>
+            </a:extLst>
+          </a:blip>
+          <a:srcRect t="1538" b="-1538"/>
+          <a:stretch/>
+        </p:blipFill>
+        <p:spPr bwMode="black">
+          <a:xfrm>
+            <a:off x="0" y="6126480"/>
+            <a:ext cx="12192000" cy="742950"/>
+          </a:xfrm>
+          <a:prstGeom prst="rect">
+            <a:avLst/>
+          </a:prstGeom>
+        </p:spPr>
+      </p:pic>
       <p:sp>
         <p:nvSpPr>
           <p:cNvPr id="2" name="Title Placeholder 1"/>
@@ -3850,8 +3081,8 @@
         </p:nvSpPr>
         <p:spPr>
           <a:xfrm>
-            <a:off x="2611808" y="808056"/>
-            <a:ext cx="7958331" cy="1077229"/>
+            <a:off x="1451579" y="804519"/>
+            <a:ext cx="9603275" cy="1049235"/>
           </a:xfrm>
           <a:prstGeom prst="rect">
             <a:avLst/>
@@ -3883,8 +3114,8 @@
         </p:nvSpPr>
         <p:spPr>
           <a:xfrm>
-            <a:off x="2773599" y="2052116"/>
-            <a:ext cx="7796540" cy="3997828"/>
+            <a:off x="1451579" y="2015732"/>
+            <a:ext cx="9603275" cy="3450613"/>
           </a:xfrm>
           <a:prstGeom prst="rect">
             <a:avLst/>
@@ -3944,32 +3175,31 @@
           </p:nvPr>
         </p:nvSpPr>
         <p:spPr>
-          <a:xfrm rot="5400000">
-            <a:off x="-810065" y="5270604"/>
-            <a:ext cx="2662729" cy="182880"/>
+          <a:xfrm>
+            <a:off x="7554138" y="330370"/>
+            <a:ext cx="3500715" cy="309201"/>
           </a:xfrm>
           <a:prstGeom prst="rect">
             <a:avLst/>
           </a:prstGeom>
         </p:spPr>
         <p:txBody>
-          <a:bodyPr vert="horz" lIns="91440" tIns="18288" rIns="91440" bIns="45720" rtlCol="0" anchor="t"/>
+          <a:bodyPr vert="horz" lIns="91440" tIns="45720" rIns="91440" bIns="45720" rtlCol="0" anchor="ctr"/>
           <a:lstStyle>
             <a:lvl1pPr algn="r">
-              <a:defRPr sz="800">
+              <a:defRPr sz="1000">
                 <a:solidFill>
                   <a:schemeClr val="tx1">
                     <a:tint val="75000"/>
                   </a:schemeClr>
                 </a:solidFill>
-                <a:latin typeface="+mn-lt"/>
               </a:defRPr>
             </a:lvl1pPr>
           </a:lstStyle>
           <a:p>
             <a:fld id="{3CBC1C18-307B-4F68-A007-B5B542270E8D}" type="datetimeFigureOut">
-              <a:rPr lang="en-US" dirty="0"/>
-              <a:t>10/6/2020</a:t>
+              <a:rPr lang="en-US" smtClean="0"/>
+              <a:t>10/9/2020</a:t>
             </a:fld>
             <a:endParaRPr lang="en-US" dirty="0"/>
           </a:p>
@@ -3986,19 +3216,19 @@
           </p:nvPr>
         </p:nvSpPr>
         <p:spPr>
-          <a:xfrm rot="5400000">
-            <a:off x="-2237130" y="3661144"/>
-            <a:ext cx="5885352" cy="179176"/>
+          <a:xfrm>
+            <a:off x="1451579" y="329307"/>
+            <a:ext cx="5938836" cy="309201"/>
           </a:xfrm>
           <a:prstGeom prst="rect">
             <a:avLst/>
           </a:prstGeom>
         </p:spPr>
         <p:txBody>
-          <a:bodyPr vert="horz" lIns="91440" tIns="45720" rIns="91440" bIns="18288" rtlCol="0" anchor="b"/>
+          <a:bodyPr vert="horz" lIns="91440" tIns="45720" rIns="91440" bIns="45720" rtlCol="0" anchor="ctr"/>
           <a:lstStyle>
-            <a:lvl1pPr algn="r">
-              <a:defRPr sz="800">
+            <a:lvl1pPr algn="l">
+              <a:defRPr sz="1000">
                 <a:solidFill>
                   <a:schemeClr val="tx1">
                     <a:tint val="75000"/>
@@ -4009,10 +3239,11 @@
           </a:lstStyle>
           <a:p>
             <a:r>
-              <a:rPr lang="en-US" dirty="0"/>
+              <a:rPr lang="en-US"/>
               <a:t>
               </a:t>
             </a:r>
+            <a:endParaRPr lang="en-US" dirty="0"/>
           </a:p>
         </p:txBody>
       </p:sp>
@@ -4028,29 +3259,27 @@
         </p:nvSpPr>
         <p:spPr>
           <a:xfrm>
-            <a:off x="158407" y="164592"/>
-            <a:ext cx="636727" cy="322851"/>
+            <a:off x="480060" y="798973"/>
+            <a:ext cx="811019" cy="503578"/>
           </a:xfrm>
           <a:prstGeom prst="rect">
             <a:avLst/>
           </a:prstGeom>
         </p:spPr>
         <p:txBody>
-          <a:bodyPr vert="horz" lIns="91440" tIns="45720" rIns="45720" bIns="45720" rtlCol="0" anchor="ctr"/>
+          <a:bodyPr vert="horz" lIns="91440" tIns="45720" rIns="91440" bIns="45720" rtlCol="0" anchor="t"/>
           <a:lstStyle>
             <a:lvl1pPr algn="r">
-              <a:defRPr sz="1800">
+              <a:defRPr sz="2800">
                 <a:solidFill>
-                  <a:schemeClr val="tx1">
-                    <a:tint val="75000"/>
-                  </a:schemeClr>
+                  <a:schemeClr val="accent1"/>
                 </a:solidFill>
               </a:defRPr>
             </a:lvl1pPr>
           </a:lstStyle>
           <a:p>
             <a:fld id="{6D22F896-40B5-4ADD-8801-0D06FADFA095}" type="slidenum">
-              <a:rPr lang="en-US" dirty="0"/>
+              <a:rPr lang="en-US" smtClean="0"/>
               <a:pPr/>
               <a:t>‹nº›</a:t>
             </a:fld>
@@ -4058,64 +3287,68 @@
           </a:p>
         </p:txBody>
       </p:sp>
-      <p:sp>
-        <p:nvSpPr>
-          <p:cNvPr id="57" name="Rectangle 56"/>
-          <p:cNvSpPr/>
+      <p:cxnSp>
+        <p:nvCxnSpPr>
+          <p:cNvPr id="10" name="Straight Connector 9"/>
+          <p:cNvCxnSpPr/>
           <p:nvPr/>
-        </p:nvSpPr>
+        </p:nvCxnSpPr>
         <p:spPr>
           <a:xfrm>
-            <a:off x="962042" y="0"/>
-            <a:ext cx="45719" cy="6858000"/>
+            <a:off x="0" y="6128413"/>
+            <a:ext cx="12192000" cy="0"/>
           </a:xfrm>
-          <a:prstGeom prst="rect">
+          <a:prstGeom prst="line">
             <a:avLst/>
           </a:prstGeom>
-          <a:solidFill>
-            <a:schemeClr val="accent6"/>
-          </a:solidFill>
-          <a:ln>
-            <a:noFill/>
+          <a:ln w="12700">
+            <a:solidFill>
+              <a:srgbClr val="000001">
+                <a:alpha val="20000"/>
+              </a:srgbClr>
+            </a:solidFill>
           </a:ln>
         </p:spPr>
         <p:style>
-          <a:lnRef idx="2">
-            <a:schemeClr val="accent1">
-              <a:shade val="50000"/>
-            </a:schemeClr>
+          <a:lnRef idx="1">
+            <a:schemeClr val="accent1"/>
           </a:lnRef>
-          <a:fillRef idx="1">
+          <a:fillRef idx="0">
             <a:schemeClr val="accent1"/>
           </a:fillRef>
           <a:effectRef idx="0">
             <a:schemeClr val="accent1"/>
           </a:effectRef>
           <a:fontRef idx="minor">
-            <a:schemeClr val="lt1"/>
+            <a:schemeClr val="tx1"/>
           </a:fontRef>
         </p:style>
-      </p:sp>
+      </p:cxnSp>
     </p:spTree>
+    <p:extLst>
+      <p:ext uri="{BB962C8B-B14F-4D97-AF65-F5344CB8AC3E}">
+        <p14:creationId xmlns:p14="http://schemas.microsoft.com/office/powerpoint/2010/main" val="2794131787"/>
+      </p:ext>
+    </p:extLst>
   </p:cSld>
-  <p:clrMap bg1="dk1" tx1="lt1" bg2="dk2" tx2="lt2" accent1="accent1" accent2="accent2" accent3="accent3" accent4="accent4" accent5="accent5" accent6="accent6" hlink="hlink" folHlink="folHlink"/>
+  <p:clrMap bg1="lt1" tx1="dk1" bg2="lt2" tx2="dk2" accent1="accent1" accent2="accent2" accent3="accent3" accent4="accent4" accent5="accent5" accent6="accent6" hlink="hlink" folHlink="folHlink"/>
   <p:sldLayoutIdLst>
-    <p:sldLayoutId id="2147483649" r:id="rId1"/>
-    <p:sldLayoutId id="2147483650" r:id="rId2"/>
-    <p:sldLayoutId id="2147483651" r:id="rId3"/>
-    <p:sldLayoutId id="2147483652" r:id="rId4"/>
-    <p:sldLayoutId id="2147483653" r:id="rId5"/>
-    <p:sldLayoutId id="2147483654" r:id="rId6"/>
-    <p:sldLayoutId id="2147483655" r:id="rId7"/>
-    <p:sldLayoutId id="2147483656" r:id="rId8"/>
-    <p:sldLayoutId id="2147483657" r:id="rId9"/>
-    <p:sldLayoutId id="2147483658" r:id="rId10"/>
-    <p:sldLayoutId id="2147483659" r:id="rId11"/>
+    <p:sldLayoutId id="2147483679" r:id="rId1"/>
+    <p:sldLayoutId id="2147483680" r:id="rId2"/>
+    <p:sldLayoutId id="2147483681" r:id="rId3"/>
+    <p:sldLayoutId id="2147483682" r:id="rId4"/>
+    <p:sldLayoutId id="2147483683" r:id="rId5"/>
+    <p:sldLayoutId id="2147483684" r:id="rId6"/>
+    <p:sldLayoutId id="2147483685" r:id="rId7"/>
+    <p:sldLayoutId id="2147483686" r:id="rId8"/>
+    <p:sldLayoutId id="2147483687" r:id="rId9"/>
+    <p:sldLayoutId id="2147483688" r:id="rId10"/>
+    <p:sldLayoutId id="2147483689" r:id="rId11"/>
   </p:sldLayoutIdLst>
   <p:hf sldNum="0" hdr="0" ftr="0" dt="0"/>
   <p:txStyles>
     <p:titleStyle>
-      <a:lvl1pPr algn="r" defTabSz="914400" rtl="0" eaLnBrk="1" latinLnBrk="0" hangingPunct="1">
+      <a:lvl1pPr algn="l" defTabSz="914400" rtl="0" eaLnBrk="1" latinLnBrk="0" hangingPunct="1">
         <a:lnSpc>
           <a:spcPct val="90000"/>
         </a:lnSpc>
@@ -4123,7 +3356,7 @@
           <a:spcPct val="0"/>
         </a:spcBef>
         <a:buNone/>
-        <a:defRPr sz="3400" b="0" i="0" kern="1200" cap="none">
+        <a:defRPr sz="3200" b="0" i="0" kern="1200" cap="all">
           <a:solidFill>
             <a:schemeClr val="tx1"/>
           </a:solidFill>
@@ -4135,22 +3368,19 @@
       </a:lvl1pPr>
     </p:titleStyle>
     <p:bodyStyle>
-      <a:lvl1pPr marL="344488" indent="-344488" algn="l" defTabSz="914400" rtl="0" eaLnBrk="1" latinLnBrk="0" hangingPunct="1">
+      <a:lvl1pPr marL="228600" indent="-228600" algn="l" defTabSz="914400" rtl="0" eaLnBrk="1" latinLnBrk="0" hangingPunct="1">
         <a:lnSpc>
           <a:spcPct val="120000"/>
         </a:lnSpc>
         <a:spcBef>
           <a:spcPts val="1000"/>
         </a:spcBef>
-        <a:spcAft>
-          <a:spcPts val="600"/>
-        </a:spcAft>
         <a:buClr>
-          <a:schemeClr val="accent6"/>
+          <a:schemeClr val="accent1"/>
         </a:buClr>
-        <a:buSzPct val="90000"/>
-        <a:buFont typeface="Wingdings" panose="05000000000000000000" pitchFamily="2" charset="2"/>
-        <a:buChar char="§"/>
+        <a:buSzPct val="100000"/>
+        <a:buFont typeface="Arial" panose="020B0604020202020204" pitchFamily="34" charset="0"/>
+        <a:buChar char="•"/>
         <a:defRPr sz="2000" kern="1200">
           <a:solidFill>
             <a:schemeClr val="tx1"/>
@@ -4161,23 +3391,20 @@
           <a:cs typeface="+mn-cs"/>
         </a:defRPr>
       </a:lvl1pPr>
-      <a:lvl2pPr marL="795338" indent="-338138" algn="l" defTabSz="914400" rtl="0" eaLnBrk="1" latinLnBrk="0" hangingPunct="1">
+      <a:lvl2pPr marL="685800" indent="-228600" algn="l" defTabSz="914400" rtl="0" eaLnBrk="1" latinLnBrk="0" hangingPunct="1">
         <a:lnSpc>
           <a:spcPct val="120000"/>
         </a:lnSpc>
         <a:spcBef>
           <a:spcPts val="500"/>
         </a:spcBef>
-        <a:spcAft>
-          <a:spcPts val="600"/>
-        </a:spcAft>
         <a:buClr>
-          <a:schemeClr val="accent6"/>
+          <a:schemeClr val="accent1"/>
         </a:buClr>
-        <a:buSzPct val="90000"/>
-        <a:buFont typeface="Wingdings" panose="05000000000000000000" pitchFamily="2" charset="2"/>
-        <a:buChar char="§"/>
-        <a:defRPr sz="1800" kern="1200">
+        <a:buSzPct val="100000"/>
+        <a:buFont typeface="Arial" panose="020B0604020202020204" pitchFamily="34" charset="0"/>
+        <a:buChar char="•"/>
+        <a:defRPr sz="1800" kern="1200" cap="none" baseline="0">
           <a:solidFill>
             <a:schemeClr val="tx1"/>
           </a:solidFill>
@@ -4187,22 +3414,19 @@
           <a:cs typeface="+mn-cs"/>
         </a:defRPr>
       </a:lvl2pPr>
-      <a:lvl3pPr marL="1258888" indent="-344488" algn="l" defTabSz="914400" rtl="0" eaLnBrk="1" latinLnBrk="0" hangingPunct="1">
+      <a:lvl3pPr marL="1143000" indent="-228600" algn="l" defTabSz="914400" rtl="0" eaLnBrk="1" latinLnBrk="0" hangingPunct="1">
         <a:lnSpc>
           <a:spcPct val="120000"/>
         </a:lnSpc>
         <a:spcBef>
           <a:spcPts val="500"/>
         </a:spcBef>
-        <a:spcAft>
-          <a:spcPts val="600"/>
-        </a:spcAft>
         <a:buClr>
-          <a:schemeClr val="accent6"/>
+          <a:schemeClr val="accent1"/>
         </a:buClr>
-        <a:buSzPct val="90000"/>
-        <a:buFont typeface="Wingdings" panose="05000000000000000000" pitchFamily="2" charset="2"/>
-        <a:buChar char="§"/>
+        <a:buSzPct val="100000"/>
+        <a:buFont typeface="Arial" panose="020B0604020202020204" pitchFamily="34" charset="0"/>
+        <a:buChar char="•"/>
         <a:defRPr sz="1600" kern="1200">
           <a:solidFill>
             <a:schemeClr val="tx1"/>
@@ -4213,23 +3437,20 @@
           <a:cs typeface="+mn-cs"/>
         </a:defRPr>
       </a:lvl3pPr>
-      <a:lvl4pPr marL="1709738" indent="-338138" algn="l" defTabSz="914400" rtl="0" eaLnBrk="1" latinLnBrk="0" hangingPunct="1">
+      <a:lvl4pPr marL="1600200" indent="-228600" algn="l" defTabSz="914400" rtl="0" eaLnBrk="1" latinLnBrk="0" hangingPunct="1">
         <a:lnSpc>
           <a:spcPct val="120000"/>
         </a:lnSpc>
         <a:spcBef>
           <a:spcPts val="500"/>
         </a:spcBef>
-        <a:spcAft>
-          <a:spcPts val="600"/>
-        </a:spcAft>
         <a:buClr>
-          <a:schemeClr val="accent6"/>
+          <a:schemeClr val="accent1"/>
         </a:buClr>
-        <a:buSzPct val="90000"/>
-        <a:buFont typeface="Wingdings" panose="05000000000000000000" pitchFamily="2" charset="2"/>
-        <a:buChar char="§"/>
-        <a:defRPr sz="1400" kern="1200">
+        <a:buSzPct val="100000"/>
+        <a:buFont typeface="Arial" panose="020B0604020202020204" pitchFamily="34" charset="0"/>
+        <a:buChar char="•"/>
+        <a:defRPr sz="1400" kern="1200" cap="none" baseline="0">
           <a:solidFill>
             <a:schemeClr val="tx1"/>
           </a:solidFill>
@@ -4239,22 +3460,19 @@
           <a:cs typeface="+mn-cs"/>
         </a:defRPr>
       </a:lvl4pPr>
-      <a:lvl5pPr marL="2173288" indent="-344488" algn="l" defTabSz="914400" rtl="0" eaLnBrk="1" latinLnBrk="0" hangingPunct="1">
+      <a:lvl5pPr marL="2057400" indent="-228600" algn="l" defTabSz="914400" rtl="0" eaLnBrk="1" latinLnBrk="0" hangingPunct="1">
         <a:lnSpc>
           <a:spcPct val="120000"/>
         </a:lnSpc>
         <a:spcBef>
           <a:spcPts val="500"/>
         </a:spcBef>
-        <a:spcAft>
-          <a:spcPts val="600"/>
-        </a:spcAft>
         <a:buClr>
-          <a:schemeClr val="accent6"/>
+          <a:schemeClr val="accent1"/>
         </a:buClr>
-        <a:buSzPct val="90000"/>
-        <a:buFont typeface="Wingdings" panose="05000000000000000000" pitchFamily="2" charset="2"/>
-        <a:buChar char="§"/>
+        <a:buSzPct val="100000"/>
+        <a:buFont typeface="Arial" panose="020B0604020202020204" pitchFamily="34" charset="0"/>
+        <a:buChar char="•"/>
         <a:defRPr sz="1200" kern="1200">
           <a:solidFill>
             <a:schemeClr val="tx1"/>
@@ -4265,23 +3483,20 @@
           <a:cs typeface="+mn-cs"/>
         </a:defRPr>
       </a:lvl5pPr>
-      <a:lvl6pPr marL="2642616" indent="-338328" algn="l" defTabSz="914400" rtl="0" eaLnBrk="1" latinLnBrk="0" hangingPunct="1">
+      <a:lvl6pPr marL="2514600" indent="-228600" algn="l" defTabSz="914400" rtl="0" eaLnBrk="1" latinLnBrk="0" hangingPunct="1">
         <a:lnSpc>
           <a:spcPct val="120000"/>
         </a:lnSpc>
         <a:spcBef>
           <a:spcPts val="500"/>
         </a:spcBef>
-        <a:spcAft>
-          <a:spcPts val="600"/>
-        </a:spcAft>
         <a:buClr>
-          <a:schemeClr val="accent6"/>
+          <a:schemeClr val="accent1"/>
         </a:buClr>
-        <a:buSzPct val="90000"/>
-        <a:buFont typeface="Wingdings" panose="05000000000000000000" pitchFamily="2" charset="2"/>
-        <a:buChar char="§"/>
-        <a:defRPr sz="1200" kern="1200" baseline="0">
+        <a:buSzPct val="100000"/>
+        <a:buFont typeface="Arial" panose="020B0604020202020204" pitchFamily="34" charset="0"/>
+        <a:buChar char="•"/>
+        <a:defRPr sz="1200" kern="1200">
           <a:solidFill>
             <a:schemeClr val="tx1"/>
           </a:solidFill>
@@ -4291,23 +3506,20 @@
           <a:cs typeface="+mn-cs"/>
         </a:defRPr>
       </a:lvl6pPr>
-      <a:lvl7pPr marL="3108960" indent="-338328" algn="l" defTabSz="914400" rtl="0" eaLnBrk="1" latinLnBrk="0" hangingPunct="1">
+      <a:lvl7pPr marL="2971800" indent="-228600" algn="l" defTabSz="914400" rtl="0" eaLnBrk="1" latinLnBrk="0" hangingPunct="1">
         <a:lnSpc>
           <a:spcPct val="120000"/>
         </a:lnSpc>
         <a:spcBef>
           <a:spcPts val="500"/>
         </a:spcBef>
-        <a:spcAft>
-          <a:spcPts val="600"/>
-        </a:spcAft>
         <a:buClr>
-          <a:schemeClr val="accent6"/>
+          <a:schemeClr val="accent1"/>
         </a:buClr>
-        <a:buSzPct val="90000"/>
-        <a:buFont typeface="Wingdings" panose="05000000000000000000" pitchFamily="2" charset="2"/>
-        <a:buChar char="§"/>
-        <a:defRPr sz="1200" kern="1200" baseline="0">
+        <a:buSzPct val="100000"/>
+        <a:buFont typeface="Arial" panose="020B0604020202020204" pitchFamily="34" charset="0"/>
+        <a:buChar char="•"/>
+        <a:defRPr sz="1200" kern="1200">
           <a:solidFill>
             <a:schemeClr val="tx1"/>
           </a:solidFill>
@@ -4317,22 +3529,19 @@
           <a:cs typeface="+mn-cs"/>
         </a:defRPr>
       </a:lvl7pPr>
-      <a:lvl8pPr marL="3575304" indent="-338328" algn="l" defTabSz="914400" rtl="0" eaLnBrk="1" latinLnBrk="0" hangingPunct="1">
+      <a:lvl8pPr marL="3429000" indent="-228600" algn="l" defTabSz="914400" rtl="0" eaLnBrk="1" latinLnBrk="0" hangingPunct="1">
         <a:lnSpc>
           <a:spcPct val="120000"/>
         </a:lnSpc>
         <a:spcBef>
           <a:spcPts val="500"/>
         </a:spcBef>
-        <a:spcAft>
-          <a:spcPts val="600"/>
-        </a:spcAft>
         <a:buClr>
-          <a:schemeClr val="accent6"/>
+          <a:schemeClr val="accent1"/>
         </a:buClr>
-        <a:buSzPct val="90000"/>
-        <a:buFont typeface="Wingdings" panose="05000000000000000000" pitchFamily="2" charset="2"/>
-        <a:buChar char="§"/>
+        <a:buSzPct val="100000"/>
+        <a:buFont typeface="Arial" panose="020B0604020202020204" pitchFamily="34" charset="0"/>
+        <a:buChar char="•"/>
         <a:defRPr sz="1200" kern="1200" baseline="0">
           <a:solidFill>
             <a:schemeClr val="tx1"/>
@@ -4343,22 +3552,19 @@
           <a:cs typeface="+mn-cs"/>
         </a:defRPr>
       </a:lvl8pPr>
-      <a:lvl9pPr marL="4041648" indent="-338328" algn="l" defTabSz="914400" rtl="0" eaLnBrk="1" latinLnBrk="0" hangingPunct="1">
+      <a:lvl9pPr marL="3886200" indent="-228600" algn="l" defTabSz="914400" rtl="0" eaLnBrk="1" latinLnBrk="0" hangingPunct="1">
         <a:lnSpc>
           <a:spcPct val="120000"/>
         </a:lnSpc>
         <a:spcBef>
           <a:spcPts val="500"/>
         </a:spcBef>
-        <a:spcAft>
-          <a:spcPts val="600"/>
-        </a:spcAft>
         <a:buClr>
-          <a:schemeClr val="accent6"/>
+          <a:schemeClr val="accent1"/>
         </a:buClr>
-        <a:buSzPct val="90000"/>
-        <a:buFont typeface="Wingdings" panose="05000000000000000000" pitchFamily="2" charset="2"/>
-        <a:buChar char="§"/>
+        <a:buSzPct val="100000"/>
+        <a:buFont typeface="Arial" panose="020B0604020202020204" pitchFamily="34" charset="0"/>
+        <a:buChar char="•"/>
         <a:defRPr sz="1200" kern="1200" baseline="0">
           <a:solidFill>
             <a:schemeClr val="tx1"/>
@@ -4515,12 +3721,12 @@
           <a:lstStyle/>
           <a:p>
             <a:r>
-              <a:rPr lang="pt-BR" sz="4400" dirty="0"/>
-              <a:t>Modelo </a:t>
-            </a:r>
-            <a:r>
               <a:rPr lang="pt-BR" sz="4400" dirty="0" err="1"/>
               <a:t>Anti-Churn</a:t>
+            </a:r>
+            <a:r>
+              <a:rPr lang="pt-BR" sz="4400" dirty="0"/>
+              <a:t> MODEL</a:t>
             </a:r>
             <a:br>
               <a:rPr lang="pt-BR" sz="4400" dirty="0"/>
@@ -4653,9 +3859,10 @@
           <a:lstStyle/>
           <a:p>
             <a:r>
-              <a:rPr lang="pt-BR" dirty="0"/>
-              <a:t>Motivação</a:t>
-            </a:r>
+              <a:rPr lang="pt-BR" dirty="0" err="1"/>
+              <a:t>MotivaTION</a:t>
+            </a:r>
+            <a:endParaRPr lang="pt-BR" dirty="0"/>
           </a:p>
         </p:txBody>
       </p:sp>
@@ -4682,14 +3889,30 @@
           <a:p>
             <a:r>
               <a:rPr lang="pt-BR" dirty="0"/>
-              <a:t>Alguns números:</a:t>
+              <a:t>Some </a:t>
+            </a:r>
+            <a:r>
+              <a:rPr lang="pt-BR" dirty="0" err="1"/>
+              <a:t>numbers</a:t>
+            </a:r>
+            <a:r>
+              <a:rPr lang="pt-BR" dirty="0"/>
+              <a:t>:</a:t>
             </a:r>
           </a:p>
           <a:p>
             <a:pPr lvl="1"/>
             <a:r>
               <a:rPr lang="pt-BR" dirty="0"/>
-              <a:t>Base ativa: 1231 </a:t>
+              <a:t>Active base </a:t>
+            </a:r>
+            <a:r>
+              <a:rPr lang="pt-BR" dirty="0" err="1"/>
+              <a:t>of</a:t>
+            </a:r>
+            <a:r>
+              <a:rPr lang="pt-BR" dirty="0"/>
+              <a:t> </a:t>
             </a:r>
             <a:r>
               <a:rPr lang="pt-BR" dirty="0" err="1"/>
@@ -4697,7 +3920,47 @@
             </a:r>
             <a:r>
               <a:rPr lang="pt-BR" dirty="0"/>
-              <a:t> no início de 2018;</a:t>
+              <a:t>: 1231 </a:t>
+            </a:r>
+            <a:r>
+              <a:rPr lang="pt-BR" dirty="0" err="1"/>
+              <a:t>sellers</a:t>
+            </a:r>
+            <a:r>
+              <a:rPr lang="pt-BR" dirty="0"/>
+              <a:t> </a:t>
+            </a:r>
+            <a:r>
+              <a:rPr lang="pt-BR" dirty="0" err="1"/>
+              <a:t>at</a:t>
+            </a:r>
+            <a:r>
+              <a:rPr lang="pt-BR" dirty="0"/>
+              <a:t> </a:t>
+            </a:r>
+            <a:r>
+              <a:rPr lang="pt-BR" dirty="0" err="1"/>
+              <a:t>the</a:t>
+            </a:r>
+            <a:r>
+              <a:rPr lang="pt-BR" dirty="0"/>
+              <a:t> </a:t>
+            </a:r>
+            <a:r>
+              <a:rPr lang="pt-BR" dirty="0" err="1"/>
+              <a:t>beginning</a:t>
+            </a:r>
+            <a:r>
+              <a:rPr lang="pt-BR" dirty="0"/>
+              <a:t> </a:t>
+            </a:r>
+            <a:r>
+              <a:rPr lang="pt-BR" dirty="0" err="1"/>
+              <a:t>of</a:t>
+            </a:r>
+            <a:r>
+              <a:rPr lang="pt-BR" dirty="0"/>
+              <a:t> 2018;</a:t>
             </a:r>
           </a:p>
           <a:p>
@@ -4716,14 +3979,118 @@
             </a:r>
             <a:r>
               <a:rPr lang="pt-BR" dirty="0"/>
-              <a:t> (16,25%) deixarão a base nos próximos 3 meses;</a:t>
+              <a:t> (16,25%) </a:t>
+            </a:r>
+            <a:r>
+              <a:rPr lang="pt-BR" dirty="0" err="1"/>
+              <a:t>will</a:t>
+            </a:r>
+            <a:r>
+              <a:rPr lang="pt-BR" dirty="0"/>
+              <a:t> </a:t>
+            </a:r>
+            <a:r>
+              <a:rPr lang="pt-BR" dirty="0" err="1"/>
+              <a:t>left</a:t>
+            </a:r>
+            <a:r>
+              <a:rPr lang="pt-BR" dirty="0"/>
+              <a:t> </a:t>
+            </a:r>
+            <a:r>
+              <a:rPr lang="pt-BR" dirty="0" err="1"/>
+              <a:t>the</a:t>
+            </a:r>
+            <a:r>
+              <a:rPr lang="pt-BR" dirty="0"/>
+              <a:t> </a:t>
+            </a:r>
+            <a:r>
+              <a:rPr lang="pt-BR" dirty="0" err="1"/>
+              <a:t>active</a:t>
+            </a:r>
+            <a:r>
+              <a:rPr lang="pt-BR" dirty="0"/>
+              <a:t> base </a:t>
+            </a:r>
+            <a:r>
+              <a:rPr lang="pt-BR" dirty="0" err="1"/>
+              <a:t>the</a:t>
+            </a:r>
+            <a:r>
+              <a:rPr lang="pt-BR" dirty="0"/>
+              <a:t> </a:t>
+            </a:r>
+            <a:r>
+              <a:rPr lang="pt-BR" dirty="0" err="1"/>
+              <a:t>next</a:t>
+            </a:r>
+            <a:r>
+              <a:rPr lang="pt-BR" dirty="0"/>
+              <a:t> 3 </a:t>
+            </a:r>
+            <a:r>
+              <a:rPr lang="pt-BR" dirty="0" err="1"/>
+              <a:t>months</a:t>
+            </a:r>
+            <a:r>
+              <a:rPr lang="pt-BR" dirty="0"/>
+              <a:t>;</a:t>
             </a:r>
           </a:p>
           <a:p>
             <a:pPr lvl="1"/>
             <a:r>
               <a:rPr lang="pt-BR" dirty="0"/>
-              <a:t>R$ 1.6 MM/ano de potencial perda de receita em vendas;</a:t>
+              <a:t>R$ 1.6 MM/</a:t>
+            </a:r>
+            <a:r>
+              <a:rPr lang="pt-BR" dirty="0" err="1"/>
+              <a:t>year</a:t>
+            </a:r>
+            <a:r>
+              <a:rPr lang="pt-BR" dirty="0"/>
+              <a:t> </a:t>
+            </a:r>
+            <a:r>
+              <a:rPr lang="pt-BR" dirty="0" err="1"/>
+              <a:t>of</a:t>
+            </a:r>
+            <a:r>
+              <a:rPr lang="pt-BR" dirty="0"/>
+              <a:t> </a:t>
+            </a:r>
+            <a:r>
+              <a:rPr lang="pt-BR" dirty="0" err="1"/>
+              <a:t>potential</a:t>
+            </a:r>
+            <a:r>
+              <a:rPr lang="pt-BR" dirty="0"/>
+              <a:t> </a:t>
+            </a:r>
+            <a:r>
+              <a:rPr lang="pt-BR" dirty="0" err="1"/>
+              <a:t>loss</a:t>
+            </a:r>
+            <a:r>
+              <a:rPr lang="pt-BR" dirty="0"/>
+              <a:t> </a:t>
+            </a:r>
+            <a:r>
+              <a:rPr lang="pt-BR" dirty="0" err="1"/>
+              <a:t>of</a:t>
+            </a:r>
+            <a:r>
+              <a:rPr lang="pt-BR" dirty="0"/>
+              <a:t> </a:t>
+            </a:r>
+            <a:r>
+              <a:rPr lang="pt-BR" dirty="0" err="1"/>
+              <a:t>sells</a:t>
+            </a:r>
+            <a:r>
+              <a:rPr lang="pt-BR" dirty="0"/>
+              <a:t>.</a:t>
             </a:r>
           </a:p>
           <a:p>
@@ -4791,13 +4158,16 @@
           <a:p>
             <a:r>
               <a:rPr lang="pt-BR" dirty="0"/>
-              <a:t>O que é </a:t>
+              <a:t>WHAT IS </a:t>
             </a:r>
             <a:r>
               <a:rPr lang="pt-BR" dirty="0" err="1"/>
               <a:t>churn</a:t>
             </a:r>
-            <a:endParaRPr lang="pt-BR" dirty="0"/>
+            <a:r>
+              <a:rPr lang="pt-BR" dirty="0"/>
+              <a:t>?</a:t>
+            </a:r>
           </a:p>
         </p:txBody>
       </p:sp>
@@ -4819,7 +4189,7 @@
         </p:nvSpPr>
         <p:spPr>
           <a:xfrm>
-            <a:off x="2628586" y="5345742"/>
+            <a:off x="1692818" y="5004247"/>
             <a:ext cx="7796540" cy="890715"/>
           </a:xfrm>
         </p:spPr>
@@ -4831,8 +4201,60 @@
               <a:buNone/>
             </a:pPr>
             <a:r>
+              <a:rPr lang="pt-BR" dirty="0" err="1"/>
+              <a:t>Can</a:t>
+            </a:r>
+            <a:r>
               <a:rPr lang="pt-BR" dirty="0"/>
-              <a:t>Com conseguimos prever 3 meses consecutivos sem venda?</a:t>
+              <a:t> </a:t>
+            </a:r>
+            <a:r>
+              <a:rPr lang="pt-BR" dirty="0" err="1"/>
+              <a:t>we</a:t>
+            </a:r>
+            <a:r>
+              <a:rPr lang="pt-BR" dirty="0"/>
+              <a:t> </a:t>
+            </a:r>
+            <a:r>
+              <a:rPr lang="pt-BR" dirty="0" err="1"/>
+              <a:t>predict</a:t>
+            </a:r>
+            <a:r>
+              <a:rPr lang="pt-BR" dirty="0"/>
+              <a:t> 3 </a:t>
+            </a:r>
+            <a:r>
+              <a:rPr lang="pt-BR" dirty="0" err="1"/>
+              <a:t>consecutive</a:t>
+            </a:r>
+            <a:r>
+              <a:rPr lang="pt-BR" dirty="0"/>
+              <a:t> </a:t>
+            </a:r>
+            <a:r>
+              <a:rPr lang="pt-BR" dirty="0" err="1"/>
+              <a:t>months</a:t>
+            </a:r>
+            <a:r>
+              <a:rPr lang="pt-BR" dirty="0"/>
+              <a:t> </a:t>
+            </a:r>
+            <a:r>
+              <a:rPr lang="pt-BR" dirty="0" err="1"/>
+              <a:t>without</a:t>
+            </a:r>
+            <a:r>
+              <a:rPr lang="pt-BR" dirty="0"/>
+              <a:t> </a:t>
+            </a:r>
+            <a:r>
+              <a:rPr lang="pt-BR" dirty="0" err="1"/>
+              <a:t>sells</a:t>
+            </a:r>
+            <a:r>
+              <a:rPr lang="pt-BR" dirty="0"/>
+              <a:t>?</a:t>
             </a:r>
           </a:p>
         </p:txBody>
@@ -4926,6 +4348,16 @@
             <a:prstGeom prst="roundRect">
               <a:avLst/>
             </a:prstGeom>
+            <a:solidFill>
+              <a:schemeClr val="accent6">
+                <a:lumMod val="75000"/>
+              </a:schemeClr>
+            </a:solidFill>
+            <a:ln>
+              <a:solidFill>
+                <a:schemeClr val="accent6"/>
+              </a:solidFill>
+            </a:ln>
           </p:spPr>
           <p:style>
             <a:lnRef idx="2">
@@ -4972,6 +4404,16 @@
             <a:prstGeom prst="roundRect">
               <a:avLst/>
             </a:prstGeom>
+            <a:solidFill>
+              <a:schemeClr val="accent6">
+                <a:lumMod val="75000"/>
+              </a:schemeClr>
+            </a:solidFill>
+            <a:ln>
+              <a:solidFill>
+                <a:schemeClr val="accent6"/>
+              </a:solidFill>
+            </a:ln>
           </p:spPr>
           <p:style>
             <a:lnRef idx="2">
@@ -5018,6 +4460,16 @@
             <a:prstGeom prst="roundRect">
               <a:avLst/>
             </a:prstGeom>
+            <a:solidFill>
+              <a:schemeClr val="accent6">
+                <a:lumMod val="75000"/>
+              </a:schemeClr>
+            </a:solidFill>
+            <a:ln>
+              <a:solidFill>
+                <a:schemeClr val="accent6"/>
+              </a:solidFill>
+            </a:ln>
           </p:spPr>
           <p:style>
             <a:lnRef idx="2">
@@ -5113,6 +4565,16 @@
             <a:prstGeom prst="roundRect">
               <a:avLst/>
             </a:prstGeom>
+            <a:solidFill>
+              <a:schemeClr val="accent6">
+                <a:lumMod val="75000"/>
+              </a:schemeClr>
+            </a:solidFill>
+            <a:ln>
+              <a:solidFill>
+                <a:schemeClr val="accent6"/>
+              </a:solidFill>
+            </a:ln>
           </p:spPr>
           <p:style>
             <a:lnRef idx="2">
@@ -5208,6 +4670,16 @@
             <a:prstGeom prst="roundRect">
               <a:avLst/>
             </a:prstGeom>
+            <a:solidFill>
+              <a:schemeClr val="accent6">
+                <a:lumMod val="75000"/>
+              </a:schemeClr>
+            </a:solidFill>
+            <a:ln>
+              <a:solidFill>
+                <a:schemeClr val="accent6"/>
+              </a:solidFill>
+            </a:ln>
           </p:spPr>
           <p:style>
             <a:lnRef idx="2">
@@ -5303,6 +4775,16 @@
             <a:prstGeom prst="roundRect">
               <a:avLst/>
             </a:prstGeom>
+            <a:solidFill>
+              <a:schemeClr val="accent6">
+                <a:lumMod val="75000"/>
+              </a:schemeClr>
+            </a:solidFill>
+            <a:ln>
+              <a:solidFill>
+                <a:schemeClr val="accent6"/>
+              </a:solidFill>
+            </a:ln>
           </p:spPr>
           <p:style>
             <a:lnRef idx="2">
@@ -5349,6 +4831,16 @@
             <a:prstGeom prst="roundRect">
               <a:avLst/>
             </a:prstGeom>
+            <a:solidFill>
+              <a:schemeClr val="accent6">
+                <a:lumMod val="75000"/>
+              </a:schemeClr>
+            </a:solidFill>
+            <a:ln>
+              <a:solidFill>
+                <a:schemeClr val="accent6"/>
+              </a:solidFill>
+            </a:ln>
           </p:spPr>
           <p:style>
             <a:lnRef idx="2">
@@ -5395,6 +4887,16 @@
             <a:prstGeom prst="roundRect">
               <a:avLst/>
             </a:prstGeom>
+            <a:solidFill>
+              <a:schemeClr val="accent6">
+                <a:lumMod val="75000"/>
+              </a:schemeClr>
+            </a:solidFill>
+            <a:ln>
+              <a:solidFill>
+                <a:schemeClr val="accent6"/>
+              </a:solidFill>
+            </a:ln>
           </p:spPr>
           <p:style>
             <a:lnRef idx="2">
@@ -5462,6 +4964,16 @@
             <a:prstGeom prst="roundRect">
               <a:avLst/>
             </a:prstGeom>
+            <a:solidFill>
+              <a:schemeClr val="accent6">
+                <a:lumMod val="75000"/>
+              </a:schemeClr>
+            </a:solidFill>
+            <a:ln>
+              <a:solidFill>
+                <a:schemeClr val="accent6"/>
+              </a:solidFill>
+            </a:ln>
           </p:spPr>
           <p:style>
             <a:lnRef idx="2">
@@ -5508,6 +5020,16 @@
             <a:prstGeom prst="roundRect">
               <a:avLst/>
             </a:prstGeom>
+            <a:solidFill>
+              <a:schemeClr val="accent6">
+                <a:lumMod val="75000"/>
+              </a:schemeClr>
+            </a:solidFill>
+            <a:ln>
+              <a:solidFill>
+                <a:schemeClr val="accent6"/>
+              </a:solidFill>
+            </a:ln>
           </p:spPr>
           <p:style>
             <a:lnRef idx="2">
@@ -5554,6 +5076,16 @@
             <a:prstGeom prst="roundRect">
               <a:avLst/>
             </a:prstGeom>
+            <a:solidFill>
+              <a:schemeClr val="accent6">
+                <a:lumMod val="75000"/>
+              </a:schemeClr>
+            </a:solidFill>
+            <a:ln>
+              <a:solidFill>
+                <a:schemeClr val="accent6"/>
+              </a:solidFill>
+            </a:ln>
           </p:spPr>
           <p:style>
             <a:lnRef idx="2">
@@ -5698,6 +5230,16 @@
             <a:prstGeom prst="roundRect">
               <a:avLst/>
             </a:prstGeom>
+            <a:solidFill>
+              <a:schemeClr val="accent6">
+                <a:lumMod val="75000"/>
+              </a:schemeClr>
+            </a:solidFill>
+            <a:ln>
+              <a:solidFill>
+                <a:schemeClr val="accent6"/>
+              </a:solidFill>
+            </a:ln>
           </p:spPr>
           <p:style>
             <a:lnRef idx="2">
@@ -5744,6 +5286,16 @@
             <a:prstGeom prst="roundRect">
               <a:avLst/>
             </a:prstGeom>
+            <a:solidFill>
+              <a:schemeClr val="accent6">
+                <a:lumMod val="75000"/>
+              </a:schemeClr>
+            </a:solidFill>
+            <a:ln>
+              <a:solidFill>
+                <a:schemeClr val="accent6"/>
+              </a:solidFill>
+            </a:ln>
           </p:spPr>
           <p:style>
             <a:lnRef idx="2">
@@ -5839,6 +5391,16 @@
             <a:prstGeom prst="roundRect">
               <a:avLst/>
             </a:prstGeom>
+            <a:solidFill>
+              <a:schemeClr val="accent6">
+                <a:lumMod val="75000"/>
+              </a:schemeClr>
+            </a:solidFill>
+            <a:ln>
+              <a:solidFill>
+                <a:schemeClr val="accent6"/>
+              </a:solidFill>
+            </a:ln>
           </p:spPr>
           <p:style>
             <a:lnRef idx="2">
@@ -5885,6 +5447,16 @@
             <a:prstGeom prst="roundRect">
               <a:avLst/>
             </a:prstGeom>
+            <a:solidFill>
+              <a:schemeClr val="accent6">
+                <a:lumMod val="75000"/>
+              </a:schemeClr>
+            </a:solidFill>
+            <a:ln>
+              <a:solidFill>
+                <a:schemeClr val="accent6"/>
+              </a:solidFill>
+            </a:ln>
           </p:spPr>
           <p:style>
             <a:lnRef idx="2">
@@ -5931,6 +5503,16 @@
             <a:prstGeom prst="roundRect">
               <a:avLst/>
             </a:prstGeom>
+            <a:solidFill>
+              <a:schemeClr val="accent6">
+                <a:lumMod val="75000"/>
+              </a:schemeClr>
+            </a:solidFill>
+            <a:ln>
+              <a:solidFill>
+                <a:schemeClr val="accent6"/>
+              </a:solidFill>
+            </a:ln>
           </p:spPr>
           <p:style>
             <a:lnRef idx="2">
@@ -6047,6 +5629,16 @@
             <a:prstGeom prst="roundRect">
               <a:avLst/>
             </a:prstGeom>
+            <a:solidFill>
+              <a:schemeClr val="accent6">
+                <a:lumMod val="75000"/>
+              </a:schemeClr>
+            </a:solidFill>
+            <a:ln>
+              <a:solidFill>
+                <a:schemeClr val="accent6"/>
+              </a:solidFill>
+            </a:ln>
           </p:spPr>
           <p:style>
             <a:lnRef idx="2">
@@ -6191,6 +5783,16 @@
             <a:prstGeom prst="roundRect">
               <a:avLst/>
             </a:prstGeom>
+            <a:solidFill>
+              <a:schemeClr val="accent6">
+                <a:lumMod val="75000"/>
+              </a:schemeClr>
+            </a:solidFill>
+            <a:ln>
+              <a:solidFill>
+                <a:schemeClr val="accent6"/>
+              </a:solidFill>
+            </a:ln>
           </p:spPr>
           <p:style>
             <a:lnRef idx="2">
@@ -6286,6 +5888,16 @@
             <a:prstGeom prst="roundRect">
               <a:avLst/>
             </a:prstGeom>
+            <a:solidFill>
+              <a:schemeClr val="accent6">
+                <a:lumMod val="75000"/>
+              </a:schemeClr>
+            </a:solidFill>
+            <a:ln>
+              <a:solidFill>
+                <a:schemeClr val="accent6"/>
+              </a:solidFill>
+            </a:ln>
           </p:spPr>
           <p:style>
             <a:lnRef idx="2">
@@ -6332,6 +5944,16 @@
             <a:prstGeom prst="roundRect">
               <a:avLst/>
             </a:prstGeom>
+            <a:solidFill>
+              <a:schemeClr val="accent6">
+                <a:lumMod val="75000"/>
+              </a:schemeClr>
+            </a:solidFill>
+            <a:ln>
+              <a:solidFill>
+                <a:schemeClr val="accent6"/>
+              </a:solidFill>
+            </a:ln>
           </p:spPr>
           <p:style>
             <a:lnRef idx="2">
@@ -6525,6 +6147,16 @@
             <a:prstGeom prst="roundRect">
               <a:avLst/>
             </a:prstGeom>
+            <a:solidFill>
+              <a:schemeClr val="accent6">
+                <a:lumMod val="75000"/>
+              </a:schemeClr>
+            </a:solidFill>
+            <a:ln>
+              <a:solidFill>
+                <a:schemeClr val="accent6"/>
+              </a:solidFill>
+            </a:ln>
           </p:spPr>
           <p:style>
             <a:lnRef idx="2">
@@ -7300,7 +6932,7 @@
         <p:blipFill>
           <a:blip r:embed="rId3">
             <a:duotone>
-              <a:schemeClr val="accent1">
+              <a:schemeClr val="accent6">
                 <a:shade val="45000"/>
                 <a:satMod val="135000"/>
               </a:schemeClr>
@@ -7353,9 +6985,9 @@
           <p:nvPr/>
         </p:nvPicPr>
         <p:blipFill>
-          <a:blip r:embed="rId3">
+          <a:blip r:embed="rId4">
             <a:duotone>
-              <a:schemeClr val="accent1">
+              <a:schemeClr val="accent6">
                 <a:shade val="45000"/>
                 <a:satMod val="135000"/>
               </a:schemeClr>
@@ -7410,7 +7042,7 @@
         <p:blipFill>
           <a:blip r:embed="rId3">
             <a:duotone>
-              <a:schemeClr val="accent5">
+              <a:schemeClr val="accent1">
                 <a:shade val="45000"/>
                 <a:satMod val="135000"/>
               </a:schemeClr>
@@ -7506,8 +7138,13 @@
           <a:p>
             <a:r>
               <a:rPr lang="pt-BR" dirty="0"/>
-              <a:t>Resultados</a:t>
-            </a:r>
+              <a:t>EXPECTED </a:t>
+            </a:r>
+            <a:r>
+              <a:rPr lang="pt-BR" dirty="0" err="1"/>
+              <a:t>Results</a:t>
+            </a:r>
+            <a:endParaRPr lang="pt-BR" dirty="0"/>
           </a:p>
         </p:txBody>
       </p:sp>
@@ -7548,8 +7185,8 @@
         </p:blipFill>
         <p:spPr bwMode="auto">
           <a:xfrm>
-            <a:off x="4042713" y="1997653"/>
-            <a:ext cx="595778" cy="595778"/>
+            <a:off x="4048135" y="1853754"/>
+            <a:ext cx="549675" cy="549675"/>
           </a:xfrm>
           <a:prstGeom prst="rect">
             <a:avLst/>
@@ -7603,8 +7240,8 @@
         </p:blipFill>
         <p:spPr bwMode="auto">
           <a:xfrm>
-            <a:off x="1420920" y="1997653"/>
-            <a:ext cx="595778" cy="595778"/>
+            <a:off x="1455639" y="1853754"/>
+            <a:ext cx="549675" cy="549675"/>
           </a:xfrm>
           <a:prstGeom prst="rect">
             <a:avLst/>
@@ -7658,8 +7295,8 @@
         </p:blipFill>
         <p:spPr bwMode="auto">
           <a:xfrm>
-            <a:off x="3168782" y="1997653"/>
-            <a:ext cx="595778" cy="595778"/>
+            <a:off x="3173835" y="1853754"/>
+            <a:ext cx="549675" cy="549675"/>
           </a:xfrm>
           <a:prstGeom prst="rect">
             <a:avLst/>
@@ -7713,8 +7350,8 @@
         </p:blipFill>
         <p:spPr bwMode="auto">
           <a:xfrm>
-            <a:off x="2294851" y="1997653"/>
-            <a:ext cx="595778" cy="595778"/>
+            <a:off x="2329570" y="1853754"/>
+            <a:ext cx="549675" cy="549675"/>
           </a:xfrm>
           <a:prstGeom prst="rect">
             <a:avLst/>
@@ -7768,8 +7405,8 @@
         </p:blipFill>
         <p:spPr bwMode="auto">
           <a:xfrm>
-            <a:off x="1416860" y="3556570"/>
-            <a:ext cx="595778" cy="595778"/>
+            <a:off x="1451579" y="3353326"/>
+            <a:ext cx="549675" cy="549675"/>
           </a:xfrm>
           <a:prstGeom prst="rect">
             <a:avLst/>
@@ -7823,8 +7460,8 @@
         </p:blipFill>
         <p:spPr bwMode="auto">
           <a:xfrm>
-            <a:off x="2292144" y="3535998"/>
-            <a:ext cx="595778" cy="595778"/>
+            <a:off x="2326863" y="3353326"/>
+            <a:ext cx="549675" cy="549675"/>
           </a:xfrm>
           <a:prstGeom prst="rect">
             <a:avLst/>
@@ -7878,8 +7515,8 @@
         </p:blipFill>
         <p:spPr bwMode="auto">
           <a:xfrm>
-            <a:off x="3167428" y="3535998"/>
-            <a:ext cx="595778" cy="595778"/>
+            <a:off x="3173835" y="3353326"/>
+            <a:ext cx="549675" cy="549675"/>
           </a:xfrm>
           <a:prstGeom prst="rect">
             <a:avLst/>
@@ -7933,8 +7570,8 @@
         </p:blipFill>
         <p:spPr bwMode="auto">
           <a:xfrm>
-            <a:off x="4040872" y="4411738"/>
-            <a:ext cx="595778" cy="595778"/>
+            <a:off x="4048135" y="4103112"/>
+            <a:ext cx="549675" cy="549675"/>
           </a:xfrm>
           <a:prstGeom prst="rect">
             <a:avLst/>
@@ -7988,8 +7625,8 @@
         </p:blipFill>
         <p:spPr bwMode="auto">
           <a:xfrm>
-            <a:off x="1416860" y="5196909"/>
-            <a:ext cx="595778" cy="595778"/>
+            <a:off x="1451579" y="4852898"/>
+            <a:ext cx="549675" cy="549675"/>
           </a:xfrm>
           <a:prstGeom prst="rect">
             <a:avLst/>
@@ -8043,8 +7680,8 @@
         </p:blipFill>
         <p:spPr bwMode="auto">
           <a:xfrm>
-            <a:off x="3166202" y="5196909"/>
-            <a:ext cx="595778" cy="595778"/>
+            <a:off x="3173835" y="4852898"/>
+            <a:ext cx="549675" cy="549675"/>
           </a:xfrm>
           <a:prstGeom prst="rect">
             <a:avLst/>
@@ -8098,8 +7735,8 @@
         </p:blipFill>
         <p:spPr bwMode="auto">
           <a:xfrm>
-            <a:off x="4042713" y="2732630"/>
-            <a:ext cx="595778" cy="595778"/>
+            <a:off x="4048135" y="2603540"/>
+            <a:ext cx="549675" cy="549675"/>
           </a:xfrm>
           <a:prstGeom prst="rect">
             <a:avLst/>
@@ -8153,8 +7790,8 @@
         </p:blipFill>
         <p:spPr bwMode="auto">
           <a:xfrm>
-            <a:off x="3167428" y="2732630"/>
-            <a:ext cx="595778" cy="595778"/>
+            <a:off x="3173835" y="2603540"/>
+            <a:ext cx="549675" cy="549675"/>
           </a:xfrm>
           <a:prstGeom prst="rect">
             <a:avLst/>
@@ -8208,8 +7845,8 @@
         </p:blipFill>
         <p:spPr bwMode="auto">
           <a:xfrm>
-            <a:off x="2292144" y="2732630"/>
-            <a:ext cx="595778" cy="595778"/>
+            <a:off x="2326863" y="2603540"/>
+            <a:ext cx="549675" cy="549675"/>
           </a:xfrm>
           <a:prstGeom prst="rect">
             <a:avLst/>
@@ -8263,8 +7900,8 @@
         </p:blipFill>
         <p:spPr bwMode="auto">
           <a:xfrm>
-            <a:off x="4042713" y="3535998"/>
-            <a:ext cx="595778" cy="595778"/>
+            <a:off x="4048135" y="3353326"/>
+            <a:ext cx="549675" cy="549675"/>
           </a:xfrm>
           <a:prstGeom prst="rect">
             <a:avLst/>
@@ -8318,8 +7955,8 @@
         </p:blipFill>
         <p:spPr bwMode="auto">
           <a:xfrm>
-            <a:off x="1416860" y="4411738"/>
-            <a:ext cx="595778" cy="595778"/>
+            <a:off x="1451579" y="4103112"/>
+            <a:ext cx="549675" cy="549675"/>
           </a:xfrm>
           <a:prstGeom prst="rect">
             <a:avLst/>
@@ -8373,8 +8010,8 @@
         </p:blipFill>
         <p:spPr bwMode="auto">
           <a:xfrm>
-            <a:off x="2291531" y="4411738"/>
-            <a:ext cx="595778" cy="595778"/>
+            <a:off x="2326250" y="4103112"/>
+            <a:ext cx="549675" cy="549675"/>
           </a:xfrm>
           <a:prstGeom prst="rect">
             <a:avLst/>
@@ -8428,8 +8065,8 @@
         </p:blipFill>
         <p:spPr bwMode="auto">
           <a:xfrm>
-            <a:off x="3166202" y="4411738"/>
-            <a:ext cx="595778" cy="595778"/>
+            <a:off x="3173835" y="4103112"/>
+            <a:ext cx="549675" cy="549675"/>
           </a:xfrm>
           <a:prstGeom prst="rect">
             <a:avLst/>
@@ -8483,8 +8120,8 @@
         </p:blipFill>
         <p:spPr bwMode="auto">
           <a:xfrm>
-            <a:off x="2291531" y="5196909"/>
-            <a:ext cx="595778" cy="595778"/>
+            <a:off x="2326250" y="4852898"/>
+            <a:ext cx="549675" cy="549675"/>
           </a:xfrm>
           <a:prstGeom prst="rect">
             <a:avLst/>
@@ -8538,8 +8175,8 @@
         </p:blipFill>
         <p:spPr bwMode="auto">
           <a:xfrm>
-            <a:off x="4040872" y="5196909"/>
-            <a:ext cx="595778" cy="595778"/>
+            <a:off x="4048135" y="4852898"/>
+            <a:ext cx="549675" cy="549675"/>
           </a:xfrm>
           <a:prstGeom prst="rect">
             <a:avLst/>
@@ -8593,8 +8230,8 @@
         </p:blipFill>
         <p:spPr bwMode="auto">
           <a:xfrm>
-            <a:off x="1416860" y="2732630"/>
-            <a:ext cx="595778" cy="595778"/>
+            <a:off x="1451579" y="2603540"/>
+            <a:ext cx="549675" cy="549675"/>
           </a:xfrm>
           <a:prstGeom prst="rect">
             <a:avLst/>
@@ -8648,8 +8285,8 @@
         </p:blipFill>
         <p:spPr bwMode="auto">
           <a:xfrm>
-            <a:off x="1416860" y="5894155"/>
-            <a:ext cx="595778" cy="595778"/>
+            <a:off x="1451579" y="5602685"/>
+            <a:ext cx="549675" cy="549675"/>
           </a:xfrm>
           <a:prstGeom prst="rect">
             <a:avLst/>
@@ -8703,8 +8340,8 @@
         </p:blipFill>
         <p:spPr bwMode="auto">
           <a:xfrm>
-            <a:off x="3166202" y="5894155"/>
-            <a:ext cx="595778" cy="595778"/>
+            <a:off x="3173835" y="5602685"/>
+            <a:ext cx="549675" cy="549675"/>
           </a:xfrm>
           <a:prstGeom prst="rect">
             <a:avLst/>
@@ -8758,8 +8395,8 @@
         </p:blipFill>
         <p:spPr bwMode="auto">
           <a:xfrm>
-            <a:off x="2291531" y="5894155"/>
-            <a:ext cx="595778" cy="595778"/>
+            <a:off x="2326250" y="5602685"/>
+            <a:ext cx="549675" cy="549675"/>
           </a:xfrm>
           <a:prstGeom prst="rect">
             <a:avLst/>
@@ -8813,8 +8450,8 @@
         </p:blipFill>
         <p:spPr bwMode="auto">
           <a:xfrm>
-            <a:off x="4040872" y="5894155"/>
-            <a:ext cx="595778" cy="595778"/>
+            <a:off x="4048135" y="5602685"/>
+            <a:ext cx="549675" cy="549675"/>
           </a:xfrm>
           <a:prstGeom prst="rect">
             <a:avLst/>
@@ -8868,8 +8505,8 @@
         </p:blipFill>
         <p:spPr bwMode="auto">
           <a:xfrm>
-            <a:off x="10310687" y="1997653"/>
-            <a:ext cx="595778" cy="595778"/>
+            <a:off x="10344486" y="1853754"/>
+            <a:ext cx="549675" cy="549675"/>
           </a:xfrm>
           <a:prstGeom prst="rect">
             <a:avLst/>
@@ -8923,8 +8560,8 @@
         </p:blipFill>
         <p:spPr bwMode="auto">
           <a:xfrm>
-            <a:off x="7688894" y="1997653"/>
-            <a:ext cx="595778" cy="595778"/>
+            <a:off x="7736464" y="1853754"/>
+            <a:ext cx="549675" cy="549675"/>
           </a:xfrm>
           <a:prstGeom prst="rect">
             <a:avLst/>
@@ -8978,8 +8615,8 @@
         </p:blipFill>
         <p:spPr bwMode="auto">
           <a:xfrm>
-            <a:off x="9436756" y="1997653"/>
-            <a:ext cx="595778" cy="595778"/>
+            <a:off x="9470185" y="1853754"/>
+            <a:ext cx="549675" cy="549675"/>
           </a:xfrm>
           <a:prstGeom prst="rect">
             <a:avLst/>
@@ -9033,8 +8670,8 @@
         </p:blipFill>
         <p:spPr bwMode="auto">
           <a:xfrm>
-            <a:off x="8562825" y="1997653"/>
-            <a:ext cx="595778" cy="595778"/>
+            <a:off x="8595884" y="1853754"/>
+            <a:ext cx="549675" cy="549675"/>
           </a:xfrm>
           <a:prstGeom prst="rect">
             <a:avLst/>
@@ -9088,8 +8725,8 @@
         </p:blipFill>
         <p:spPr bwMode="auto">
           <a:xfrm>
-            <a:off x="7684834" y="3556570"/>
-            <a:ext cx="595778" cy="595778"/>
+            <a:off x="7736464" y="3353326"/>
+            <a:ext cx="549675" cy="549675"/>
           </a:xfrm>
           <a:prstGeom prst="rect">
             <a:avLst/>
@@ -9143,8 +8780,8 @@
         </p:blipFill>
         <p:spPr bwMode="auto">
           <a:xfrm>
-            <a:off x="8560118" y="3535998"/>
-            <a:ext cx="595778" cy="595778"/>
+            <a:off x="8595884" y="3353326"/>
+            <a:ext cx="549675" cy="549675"/>
           </a:xfrm>
           <a:prstGeom prst="rect">
             <a:avLst/>
@@ -9198,8 +8835,8 @@
         </p:blipFill>
         <p:spPr bwMode="auto">
           <a:xfrm>
-            <a:off x="9435402" y="3535998"/>
-            <a:ext cx="595778" cy="595778"/>
+            <a:off x="9470185" y="3353326"/>
+            <a:ext cx="549675" cy="549675"/>
           </a:xfrm>
           <a:prstGeom prst="rect">
             <a:avLst/>
@@ -9253,8 +8890,8 @@
         </p:blipFill>
         <p:spPr bwMode="auto">
           <a:xfrm>
-            <a:off x="10308846" y="4411738"/>
-            <a:ext cx="595778" cy="595778"/>
+            <a:off x="10344486" y="4103112"/>
+            <a:ext cx="549675" cy="549675"/>
           </a:xfrm>
           <a:prstGeom prst="rect">
             <a:avLst/>
@@ -9308,8 +8945,8 @@
         </p:blipFill>
         <p:spPr bwMode="auto">
           <a:xfrm>
-            <a:off x="7684834" y="5196909"/>
-            <a:ext cx="595778" cy="595778"/>
+            <a:off x="7736464" y="4852898"/>
+            <a:ext cx="549675" cy="549675"/>
           </a:xfrm>
           <a:prstGeom prst="rect">
             <a:avLst/>
@@ -9363,8 +9000,8 @@
         </p:blipFill>
         <p:spPr bwMode="auto">
           <a:xfrm>
-            <a:off x="9434176" y="5196909"/>
-            <a:ext cx="595778" cy="595778"/>
+            <a:off x="9470185" y="4852898"/>
+            <a:ext cx="549675" cy="549675"/>
           </a:xfrm>
           <a:prstGeom prst="rect">
             <a:avLst/>
@@ -9418,8 +9055,8 @@
         </p:blipFill>
         <p:spPr bwMode="auto">
           <a:xfrm>
-            <a:off x="10310687" y="2732630"/>
-            <a:ext cx="595778" cy="595778"/>
+            <a:off x="10344486" y="2603540"/>
+            <a:ext cx="549675" cy="549675"/>
           </a:xfrm>
           <a:prstGeom prst="rect">
             <a:avLst/>
@@ -9473,8 +9110,8 @@
         </p:blipFill>
         <p:spPr bwMode="auto">
           <a:xfrm>
-            <a:off x="9435402" y="2732630"/>
-            <a:ext cx="595778" cy="595778"/>
+            <a:off x="9470185" y="2603540"/>
+            <a:ext cx="549675" cy="549675"/>
           </a:xfrm>
           <a:prstGeom prst="rect">
             <a:avLst/>
@@ -9528,8 +9165,8 @@
         </p:blipFill>
         <p:spPr bwMode="auto">
           <a:xfrm>
-            <a:off x="8560118" y="2732630"/>
-            <a:ext cx="595778" cy="595778"/>
+            <a:off x="8595884" y="2603540"/>
+            <a:ext cx="549675" cy="549675"/>
           </a:xfrm>
           <a:prstGeom prst="rect">
             <a:avLst/>
@@ -9583,8 +9220,8 @@
         </p:blipFill>
         <p:spPr bwMode="auto">
           <a:xfrm>
-            <a:off x="10310687" y="3535998"/>
-            <a:ext cx="595778" cy="595778"/>
+            <a:off x="10344486" y="3353326"/>
+            <a:ext cx="549675" cy="549675"/>
           </a:xfrm>
           <a:prstGeom prst="rect">
             <a:avLst/>
@@ -9638,8 +9275,8 @@
         </p:blipFill>
         <p:spPr bwMode="auto">
           <a:xfrm>
-            <a:off x="7684834" y="4411738"/>
-            <a:ext cx="595778" cy="595778"/>
+            <a:off x="7736464" y="4103112"/>
+            <a:ext cx="549675" cy="549675"/>
           </a:xfrm>
           <a:prstGeom prst="rect">
             <a:avLst/>
@@ -9693,8 +9330,8 @@
         </p:blipFill>
         <p:spPr bwMode="auto">
           <a:xfrm>
-            <a:off x="8559505" y="4411738"/>
-            <a:ext cx="595778" cy="595778"/>
+            <a:off x="8595884" y="4103112"/>
+            <a:ext cx="549675" cy="549675"/>
           </a:xfrm>
           <a:prstGeom prst="rect">
             <a:avLst/>
@@ -9748,8 +9385,8 @@
         </p:blipFill>
         <p:spPr bwMode="auto">
           <a:xfrm>
-            <a:off x="9434176" y="4411738"/>
-            <a:ext cx="595778" cy="595778"/>
+            <a:off x="9470185" y="4103112"/>
+            <a:ext cx="549675" cy="549675"/>
           </a:xfrm>
           <a:prstGeom prst="rect">
             <a:avLst/>
@@ -9803,8 +9440,8 @@
         </p:blipFill>
         <p:spPr bwMode="auto">
           <a:xfrm>
-            <a:off x="8559505" y="5196909"/>
-            <a:ext cx="595778" cy="595778"/>
+            <a:off x="8595884" y="4852898"/>
+            <a:ext cx="549675" cy="549675"/>
           </a:xfrm>
           <a:prstGeom prst="rect">
             <a:avLst/>
@@ -9858,8 +9495,8 @@
         </p:blipFill>
         <p:spPr bwMode="auto">
           <a:xfrm>
-            <a:off x="10308846" y="5196909"/>
-            <a:ext cx="595778" cy="595778"/>
+            <a:off x="10344486" y="4852898"/>
+            <a:ext cx="549675" cy="549675"/>
           </a:xfrm>
           <a:prstGeom prst="rect">
             <a:avLst/>
@@ -9913,8 +9550,8 @@
         </p:blipFill>
         <p:spPr bwMode="auto">
           <a:xfrm>
-            <a:off x="7684834" y="2732630"/>
-            <a:ext cx="595778" cy="595778"/>
+            <a:off x="7736464" y="2603540"/>
+            <a:ext cx="549675" cy="549675"/>
           </a:xfrm>
           <a:prstGeom prst="rect">
             <a:avLst/>
@@ -9968,8 +9605,8 @@
         </p:blipFill>
         <p:spPr bwMode="auto">
           <a:xfrm>
-            <a:off x="7684834" y="5894155"/>
-            <a:ext cx="595778" cy="595778"/>
+            <a:off x="7736464" y="5602685"/>
+            <a:ext cx="549675" cy="549675"/>
           </a:xfrm>
           <a:prstGeom prst="rect">
             <a:avLst/>
@@ -10023,8 +9660,8 @@
         </p:blipFill>
         <p:spPr bwMode="auto">
           <a:xfrm>
-            <a:off x="9434176" y="5894155"/>
-            <a:ext cx="595778" cy="595778"/>
+            <a:off x="9470185" y="5602685"/>
+            <a:ext cx="549675" cy="549675"/>
           </a:xfrm>
           <a:prstGeom prst="rect">
             <a:avLst/>
@@ -10078,8 +9715,8 @@
         </p:blipFill>
         <p:spPr bwMode="auto">
           <a:xfrm>
-            <a:off x="8559505" y="5894155"/>
-            <a:ext cx="595778" cy="595778"/>
+            <a:off x="8595884" y="5602685"/>
+            <a:ext cx="549675" cy="549675"/>
           </a:xfrm>
           <a:prstGeom prst="rect">
             <a:avLst/>
@@ -10133,8 +9770,8 @@
         </p:blipFill>
         <p:spPr bwMode="auto">
           <a:xfrm>
-            <a:off x="10308846" y="5894155"/>
-            <a:ext cx="595778" cy="595778"/>
+            <a:off x="10344486" y="5602685"/>
+            <a:ext cx="549675" cy="549675"/>
           </a:xfrm>
           <a:prstGeom prst="rect">
             <a:avLst/>
@@ -10171,6 +9808,16 @@
           <a:prstGeom prst="cube">
             <a:avLst/>
           </a:prstGeom>
+          <a:solidFill>
+            <a:schemeClr val="accent6">
+              <a:lumMod val="75000"/>
+            </a:schemeClr>
+          </a:solidFill>
+          <a:ln>
+            <a:solidFill>
+              <a:schemeClr val="accent6"/>
+            </a:solidFill>
+          </a:ln>
         </p:spPr>
         <p:style>
           <a:lnRef idx="2">
@@ -10217,6 +9864,16 @@
           <a:prstGeom prst="rightArrow">
             <a:avLst/>
           </a:prstGeom>
+          <a:solidFill>
+            <a:schemeClr val="accent6">
+              <a:lumMod val="75000"/>
+            </a:schemeClr>
+          </a:solidFill>
+          <a:ln>
+            <a:solidFill>
+              <a:schemeClr val="accent6"/>
+            </a:solidFill>
+          </a:ln>
         </p:spPr>
         <p:style>
           <a:lnRef idx="2">
@@ -10263,6 +9920,16 @@
           <a:prstGeom prst="rightArrow">
             <a:avLst/>
           </a:prstGeom>
+          <a:solidFill>
+            <a:schemeClr val="accent6">
+              <a:lumMod val="75000"/>
+            </a:schemeClr>
+          </a:solidFill>
+          <a:ln>
+            <a:solidFill>
+              <a:schemeClr val="accent6"/>
+            </a:solidFill>
+          </a:ln>
         </p:spPr>
         <p:style>
           <a:lnRef idx="2">
@@ -10326,6 +9993,11 @@
             <a:avLst/>
           </a:prstGeom>
           <a:noFill/>
+          <a:ln>
+            <a:solidFill>
+              <a:schemeClr val="accent6"/>
+            </a:solidFill>
+          </a:ln>
           <a:extLst>
             <a:ext uri="{909E8E84-426E-40DD-AFC4-6F175D3DCCD1}">
               <a14:hiddenFill xmlns:a14="http://schemas.microsoft.com/office/drawing/2010/main">
@@ -10390,7 +10062,7 @@
           <a:p>
             <a:r>
               <a:rPr lang="pt-BR" dirty="0"/>
-              <a:t>Método</a:t>
+              <a:t>METHOD</a:t>
             </a:r>
           </a:p>
         </p:txBody>
@@ -10414,13 +10086,21 @@
         <p:spPr/>
         <p:txBody>
           <a:bodyPr anchor="t">
-            <a:normAutofit lnSpcReduction="10000"/>
+            <a:normAutofit/>
           </a:bodyPr>
           <a:lstStyle/>
           <a:p>
             <a:r>
               <a:rPr lang="pt-BR" dirty="0"/>
-              <a:t>Composição da base:</a:t>
+              <a:t>Base </a:t>
+            </a:r>
+            <a:r>
+              <a:rPr lang="pt-BR" dirty="0" err="1"/>
+              <a:t>Composition</a:t>
+            </a:r>
+            <a:r>
+              <a:rPr lang="pt-BR" dirty="0"/>
+              <a:t>:</a:t>
             </a:r>
           </a:p>
           <a:p>
@@ -10435,14 +10115,70 @@
             </a:r>
             <a:r>
               <a:rPr lang="pt-BR" dirty="0"/>
-              <a:t> de 2017 para treinar o algoritmo;</a:t>
+              <a:t> </a:t>
+            </a:r>
+            <a:r>
+              <a:rPr lang="pt-BR" dirty="0" err="1"/>
+              <a:t>states</a:t>
+            </a:r>
+            <a:r>
+              <a:rPr lang="pt-BR" dirty="0"/>
+              <a:t> </a:t>
+            </a:r>
+            <a:r>
+              <a:rPr lang="pt-BR" dirty="0" err="1"/>
+              <a:t>from</a:t>
+            </a:r>
+            <a:r>
+              <a:rPr lang="pt-BR" dirty="0"/>
+              <a:t> 2017 for training </a:t>
+            </a:r>
+            <a:r>
+              <a:rPr lang="pt-BR" dirty="0" err="1"/>
+              <a:t>the</a:t>
+            </a:r>
+            <a:r>
+              <a:rPr lang="pt-BR" dirty="0"/>
+              <a:t> </a:t>
+            </a:r>
+            <a:r>
+              <a:rPr lang="pt-BR" dirty="0" err="1"/>
+              <a:t>algorithm</a:t>
+            </a:r>
+            <a:r>
+              <a:rPr lang="pt-BR" dirty="0"/>
+              <a:t>;</a:t>
             </a:r>
           </a:p>
           <a:p>
             <a:pPr lvl="1"/>
             <a:r>
               <a:rPr lang="pt-BR" dirty="0"/>
-              <a:t>Variáveis referentes ao books usadas no treino:</a:t>
+              <a:t>Book </a:t>
+            </a:r>
+            <a:r>
+              <a:rPr lang="pt-BR" dirty="0" err="1"/>
+              <a:t>of</a:t>
+            </a:r>
+            <a:r>
+              <a:rPr lang="pt-BR" dirty="0"/>
+              <a:t> </a:t>
+            </a:r>
+            <a:r>
+              <a:rPr lang="pt-BR" dirty="0" err="1"/>
+              <a:t>Variables</a:t>
+            </a:r>
+            <a:r>
+              <a:rPr lang="pt-BR" dirty="0"/>
+              <a:t> </a:t>
+            </a:r>
+            <a:r>
+              <a:rPr lang="pt-BR" dirty="0" err="1"/>
+              <a:t>used</a:t>
+            </a:r>
+            <a:r>
+              <a:rPr lang="pt-BR" dirty="0"/>
+              <a:t> for training:</a:t>
             </a:r>
           </a:p>
           <a:p>
@@ -10452,8 +10188,12 @@
               </a:lnSpc>
             </a:pPr>
             <a:r>
+              <a:rPr lang="pt-BR" sz="1200" dirty="0" err="1"/>
+              <a:t>Average</a:t>
+            </a:r>
+            <a:r>
               <a:rPr lang="pt-BR" sz="1200" dirty="0"/>
-              <a:t>Ticket médio;</a:t>
+              <a:t> Ticket;</a:t>
             </a:r>
           </a:p>
           <a:p>
@@ -10463,8 +10203,12 @@
               </a:lnSpc>
             </a:pPr>
             <a:r>
+              <a:rPr lang="pt-BR" sz="1200" dirty="0" err="1"/>
+              <a:t>Receipt</a:t>
+            </a:r>
+            <a:r>
               <a:rPr lang="pt-BR" sz="1200" dirty="0"/>
-              <a:t>Receita;</a:t>
+              <a:t>;</a:t>
             </a:r>
           </a:p>
           <a:p>
@@ -10474,8 +10218,20 @@
               </a:lnSpc>
             </a:pPr>
             <a:r>
+              <a:rPr lang="pt-BR" sz="1200" dirty="0" err="1"/>
+              <a:t>Sells</a:t>
+            </a:r>
+            <a:r>
               <a:rPr lang="pt-BR" sz="1200" dirty="0"/>
-              <a:t>Frequência de vendas;</a:t>
+              <a:t> </a:t>
+            </a:r>
+            <a:r>
+              <a:rPr lang="pt-BR" sz="1200" dirty="0" err="1"/>
+              <a:t>frequency</a:t>
+            </a:r>
+            <a:r>
+              <a:rPr lang="pt-BR" sz="1200" dirty="0"/>
+              <a:t>;</a:t>
             </a:r>
           </a:p>
           <a:p>
@@ -10485,8 +10241,20 @@
               </a:lnSpc>
             </a:pPr>
             <a:r>
+              <a:rPr lang="pt-BR" sz="1200" dirty="0" err="1"/>
+              <a:t>Product</a:t>
+            </a:r>
+            <a:r>
               <a:rPr lang="pt-BR" sz="1200" dirty="0"/>
-              <a:t>Tipo de produto;</a:t>
+              <a:t> </a:t>
+            </a:r>
+            <a:r>
+              <a:rPr lang="pt-BR" sz="1200" dirty="0" err="1"/>
+              <a:t>types</a:t>
+            </a:r>
+            <a:r>
+              <a:rPr lang="pt-BR" sz="1200" dirty="0"/>
+              <a:t>;</a:t>
             </a:r>
           </a:p>
           <a:p>
@@ -10496,9 +10264,34 @@
               </a:lnSpc>
             </a:pPr>
             <a:r>
+              <a:rPr lang="pt-BR" sz="1200" dirty="0" err="1"/>
+              <a:t>Activation</a:t>
+            </a:r>
+            <a:r>
               <a:rPr lang="pt-BR" sz="1200" dirty="0"/>
-              <a:t>Ativação nos meses</a:t>
-            </a:r>
+              <a:t> </a:t>
+            </a:r>
+            <a:r>
+              <a:rPr lang="pt-BR" sz="1200" dirty="0" err="1"/>
+              <a:t>of</a:t>
+            </a:r>
+            <a:r>
+              <a:rPr lang="pt-BR" sz="1200" dirty="0"/>
+              <a:t> </a:t>
+            </a:r>
+            <a:r>
+              <a:rPr lang="pt-BR" sz="1200" dirty="0" err="1"/>
+              <a:t>sells</a:t>
+            </a:r>
+            <a:r>
+              <a:rPr lang="pt-BR" sz="1200" dirty="0"/>
+              <a:t> over </a:t>
+            </a:r>
+            <a:r>
+              <a:rPr lang="pt-BR" sz="1200" dirty="0" err="1"/>
+              <a:t>months</a:t>
+            </a:r>
+            <a:endParaRPr lang="pt-BR" sz="1200" dirty="0"/>
           </a:p>
           <a:p>
             <a:pPr>
@@ -10507,8 +10300,20 @@
               </a:lnSpc>
             </a:pPr>
             <a:r>
+              <a:rPr lang="pt-BR" sz="1600" dirty="0" err="1"/>
+              <a:t>Machine</a:t>
+            </a:r>
+            <a:r>
               <a:rPr lang="pt-BR" sz="1600" dirty="0"/>
-              <a:t>Algoritmo de ML:</a:t>
+              <a:t> Learning </a:t>
+            </a:r>
+            <a:r>
+              <a:rPr lang="pt-BR" sz="1600" dirty="0" err="1"/>
+              <a:t>Algorithm</a:t>
+            </a:r>
+            <a:r>
+              <a:rPr lang="pt-BR" sz="1600" dirty="0"/>
+              <a:t>:</a:t>
             </a:r>
           </a:p>
           <a:p>
@@ -10546,7 +10351,7 @@
             </a:r>
             <a:r>
               <a:rPr lang="pt-BR" sz="1400" dirty="0"/>
-              <a:t> para </a:t>
+              <a:t> for </a:t>
             </a:r>
             <a:r>
               <a:rPr lang="pt-BR" sz="1400" dirty="0" err="1"/>
@@ -10616,9 +10421,10 @@
           <a:lstStyle/>
           <a:p>
             <a:r>
-              <a:rPr lang="pt-BR" dirty="0"/>
-              <a:t>Resultados</a:t>
-            </a:r>
+              <a:rPr lang="pt-BR" dirty="0" err="1"/>
+              <a:t>Results</a:t>
+            </a:r>
+            <a:endParaRPr lang="pt-BR" dirty="0"/>
           </a:p>
         </p:txBody>
       </p:sp>
@@ -10640,13 +10446,12 @@
         </p:nvPicPr>
         <p:blipFill rotWithShape="1">
           <a:blip r:embed="rId2"/>
-          <a:srcRect l="4894" t="2893" r="7141"/>
           <a:stretch/>
         </p:blipFill>
         <p:spPr>
           <a:xfrm>
-            <a:off x="1631142" y="2068623"/>
-            <a:ext cx="4545800" cy="3220408"/>
+            <a:off x="1447800" y="2244928"/>
+            <a:ext cx="4645025" cy="2980919"/>
           </a:xfrm>
         </p:spPr>
       </p:pic>
@@ -10668,7 +10473,9 @@
         </p:nvSpPr>
         <p:spPr/>
         <p:txBody>
-          <a:bodyPr/>
+          <a:bodyPr>
+            <a:normAutofit/>
+          </a:bodyPr>
           <a:lstStyle/>
           <a:p>
             <a:pPr marL="0" indent="0" algn="just">
@@ -10676,23 +10483,80 @@
               <a:buNone/>
             </a:pPr>
             <a:r>
+              <a:rPr lang="pt-BR" dirty="0" err="1"/>
+              <a:t>Approaching</a:t>
+            </a:r>
+            <a:r>
               <a:rPr lang="pt-BR" dirty="0"/>
-              <a:t>Abordando </a:t>
+              <a:t> </a:t>
             </a:r>
             <a:r>
               <a:rPr lang="pt-BR" b="1" dirty="0"/>
-              <a:t>32% da base ativa</a:t>
+              <a:t>32% </a:t>
+            </a:r>
+            <a:r>
+              <a:rPr lang="pt-BR" b="1" dirty="0" err="1"/>
+              <a:t>of</a:t>
+            </a:r>
+            <a:r>
+              <a:rPr lang="pt-BR" b="1" dirty="0"/>
+              <a:t> </a:t>
+            </a:r>
+            <a:r>
+              <a:rPr lang="pt-BR" b="1" dirty="0" err="1"/>
+              <a:t>active</a:t>
+            </a:r>
+            <a:r>
+              <a:rPr lang="pt-BR" b="1" dirty="0"/>
+              <a:t> base</a:t>
             </a:r>
             <a:r>
               <a:rPr lang="pt-BR" dirty="0"/>
               <a:t>, </a:t>
             </a:r>
-            <a:br>
+            <a:r>
+              <a:rPr lang="pt-BR" dirty="0" err="1"/>
+              <a:t>we</a:t>
+            </a:r>
+            <a:r>
               <a:rPr lang="pt-BR" dirty="0"/>
-            </a:br>
+              <a:t> </a:t>
+            </a:r>
+            <a:r>
+              <a:rPr lang="pt-BR" dirty="0" err="1"/>
+              <a:t>could</a:t>
+            </a:r>
             <a:r>
               <a:rPr lang="pt-BR" dirty="0"/>
-              <a:t>conseguiríamos identificar 87% de todos os </a:t>
+              <a:t> </a:t>
+            </a:r>
+            <a:r>
+              <a:rPr lang="pt-BR" b="1" dirty="0" err="1"/>
+              <a:t>identify</a:t>
+            </a:r>
+            <a:r>
+              <a:rPr lang="pt-BR" b="1" dirty="0"/>
+              <a:t> 87%</a:t>
+            </a:r>
+            <a:r>
+              <a:rPr lang="pt-BR" dirty="0"/>
+              <a:t> </a:t>
+            </a:r>
+            <a:r>
+              <a:rPr lang="pt-BR" dirty="0" err="1"/>
+              <a:t>of</a:t>
+            </a:r>
+            <a:r>
+              <a:rPr lang="pt-BR" dirty="0"/>
+              <a:t> </a:t>
+            </a:r>
+            <a:r>
+              <a:rPr lang="pt-BR" dirty="0" err="1"/>
+              <a:t>all</a:t>
+            </a:r>
+            <a:r>
+              <a:rPr lang="pt-BR" dirty="0"/>
+              <a:t> </a:t>
             </a:r>
             <a:r>
               <a:rPr lang="pt-BR" dirty="0" err="1"/>
@@ -10700,11 +10564,67 @@
             </a:r>
             <a:r>
               <a:rPr lang="pt-BR" dirty="0"/>
-              <a:t> que deixariam de vender com o </a:t>
+              <a:t> </a:t>
+            </a:r>
+            <a:r>
+              <a:rPr lang="pt-BR" dirty="0" err="1"/>
+              <a:t>who</a:t>
+            </a:r>
+            <a:r>
+              <a:rPr lang="pt-BR" dirty="0"/>
+              <a:t> </a:t>
+            </a:r>
+            <a:r>
+              <a:rPr lang="pt-BR" dirty="0" err="1"/>
+              <a:t>would</a:t>
+            </a:r>
+            <a:r>
+              <a:rPr lang="pt-BR" dirty="0"/>
+              <a:t> </a:t>
+            </a:r>
+            <a:r>
+              <a:rPr lang="pt-BR" dirty="0" err="1"/>
+              <a:t>not</a:t>
+            </a:r>
+            <a:r>
+              <a:rPr lang="pt-BR" dirty="0"/>
+              <a:t> </a:t>
+            </a:r>
+            <a:r>
+              <a:rPr lang="pt-BR" dirty="0" err="1"/>
+              <a:t>sell</a:t>
+            </a:r>
+            <a:r>
+              <a:rPr lang="pt-BR" dirty="0"/>
+              <a:t> </a:t>
+            </a:r>
+            <a:r>
+              <a:rPr lang="pt-BR" dirty="0" err="1"/>
+              <a:t>with</a:t>
+            </a:r>
+            <a:r>
+              <a:rPr lang="pt-BR" dirty="0"/>
+              <a:t> </a:t>
             </a:r>
             <a:r>
               <a:rPr lang="pt-BR" dirty="0" err="1"/>
               <a:t>Olist</a:t>
+            </a:r>
+            <a:r>
+              <a:rPr lang="pt-BR" dirty="0"/>
+              <a:t> for 3 </a:t>
+            </a:r>
+            <a:r>
+              <a:rPr lang="pt-BR" dirty="0" err="1"/>
+              <a:t>consecutive</a:t>
+            </a:r>
+            <a:r>
+              <a:rPr lang="pt-BR" dirty="0"/>
+              <a:t> </a:t>
+            </a:r>
+            <a:r>
+              <a:rPr lang="pt-BR" dirty="0" err="1"/>
+              <a:t>months</a:t>
             </a:r>
             <a:r>
               <a:rPr lang="pt-BR" dirty="0"/>
@@ -10717,8 +10637,28 @@
               <a:buNone/>
             </a:pPr>
             <a:r>
+              <a:rPr lang="pt-BR" dirty="0" err="1"/>
+              <a:t>If</a:t>
+            </a:r>
+            <a:r>
               <a:rPr lang="pt-BR" dirty="0"/>
-              <a:t>Caso retidos, esses </a:t>
+              <a:t> </a:t>
+            </a:r>
+            <a:r>
+              <a:rPr lang="pt-BR" dirty="0" err="1"/>
+              <a:t>retained</a:t>
+            </a:r>
+            <a:r>
+              <a:rPr lang="pt-BR" dirty="0"/>
+              <a:t>, </a:t>
+            </a:r>
+            <a:r>
+              <a:rPr lang="pt-BR" dirty="0" err="1"/>
+              <a:t>these</a:t>
+            </a:r>
+            <a:r>
+              <a:rPr lang="pt-BR" dirty="0"/>
+              <a:t> </a:t>
             </a:r>
             <a:r>
               <a:rPr lang="pt-BR" dirty="0" err="1"/>
@@ -10726,22 +10666,60 @@
             </a:r>
             <a:r>
               <a:rPr lang="pt-BR" dirty="0"/>
-              <a:t> representariam um potencial de receita de </a:t>
+              <a:t> </a:t>
+            </a:r>
+            <a:r>
+              <a:rPr lang="pt-BR" dirty="0" err="1"/>
+              <a:t>would</a:t>
+            </a:r>
+            <a:r>
+              <a:rPr lang="pt-BR" dirty="0"/>
+              <a:t> </a:t>
+            </a:r>
+            <a:r>
+              <a:rPr lang="pt-BR" dirty="0" err="1"/>
+              <a:t>represent</a:t>
+            </a:r>
+            <a:r>
+              <a:rPr lang="pt-BR" dirty="0"/>
+              <a:t> a </a:t>
+            </a:r>
+            <a:r>
+              <a:rPr lang="pt-BR" dirty="0" err="1"/>
+              <a:t>potential</a:t>
+            </a:r>
+            <a:r>
+              <a:rPr lang="pt-BR" dirty="0"/>
+              <a:t> </a:t>
+            </a:r>
+            <a:r>
+              <a:rPr lang="pt-BR" dirty="0" err="1"/>
+              <a:t>receipt</a:t>
+            </a:r>
+            <a:r>
+              <a:rPr lang="pt-BR" dirty="0"/>
+              <a:t> </a:t>
+            </a:r>
+            <a:r>
+              <a:rPr lang="pt-BR" dirty="0" err="1"/>
+              <a:t>of</a:t>
+            </a:r>
+            <a:r>
+              <a:rPr lang="pt-BR" dirty="0"/>
+              <a:t> </a:t>
             </a:r>
             <a:r>
               <a:rPr lang="pt-BR" b="1" dirty="0"/>
-              <a:t>1,32 MM/ano</a:t>
+              <a:t>R$ 1,32 MM/</a:t>
+            </a:r>
+            <a:r>
+              <a:rPr lang="pt-BR" b="1" dirty="0" err="1"/>
+              <a:t>year</a:t>
             </a:r>
             <a:r>
               <a:rPr lang="pt-BR" dirty="0"/>
               <a:t>.</a:t>
             </a:r>
-          </a:p>
-          <a:p>
-            <a:pPr marL="0" indent="0">
-              <a:buNone/>
-            </a:pPr>
-            <a:endParaRPr lang="pt-BR" dirty="0"/>
           </a:p>
         </p:txBody>
       </p:sp>
@@ -10758,90 +10736,10 @@
 </p:sld>
 </file>
 
-<file path=ppt/slides/slide7.xml><?xml version="1.0" encoding="utf-8"?>
-<p:sld xmlns:a="http://schemas.openxmlformats.org/drawingml/2006/main" xmlns:r="http://schemas.openxmlformats.org/officeDocument/2006/relationships" xmlns:p="http://schemas.openxmlformats.org/presentationml/2006/main">
-  <p:cSld>
-    <p:spTree>
-      <p:nvGrpSpPr>
-        <p:cNvPr id="1" name=""/>
-        <p:cNvGrpSpPr/>
-        <p:nvPr/>
-      </p:nvGrpSpPr>
-      <p:grpSpPr>
-        <a:xfrm>
-          <a:off x="0" y="0"/>
-          <a:ext cx="0" cy="0"/>
-          <a:chOff x="0" y="0"/>
-          <a:chExt cx="0" cy="0"/>
-        </a:xfrm>
-      </p:grpSpPr>
-      <p:sp>
-        <p:nvSpPr>
-          <p:cNvPr id="2" name="Título 1">
-            <a:extLst>
-              <a:ext uri="{FF2B5EF4-FFF2-40B4-BE49-F238E27FC236}">
-                <a16:creationId xmlns:a16="http://schemas.microsoft.com/office/drawing/2014/main" id="{5ECE8CC3-F422-4857-879A-A959C990B750}"/>
-              </a:ext>
-            </a:extLst>
-          </p:cNvPr>
-          <p:cNvSpPr>
-            <a:spLocks noGrp="1"/>
-          </p:cNvSpPr>
-          <p:nvPr>
-            <p:ph type="title"/>
-          </p:nvPr>
-        </p:nvSpPr>
-        <p:spPr/>
-        <p:txBody>
-          <a:bodyPr/>
-          <a:lstStyle/>
-          <a:p>
-            <a:endParaRPr lang="pt-BR"/>
-          </a:p>
-        </p:txBody>
-      </p:sp>
-      <p:sp>
-        <p:nvSpPr>
-          <p:cNvPr id="3" name="Espaço Reservado para Conteúdo 2">
-            <a:extLst>
-              <a:ext uri="{FF2B5EF4-FFF2-40B4-BE49-F238E27FC236}">
-                <a16:creationId xmlns:a16="http://schemas.microsoft.com/office/drawing/2014/main" id="{B6A892ED-3E89-4381-BABF-4BE147609FB6}"/>
-              </a:ext>
-            </a:extLst>
-          </p:cNvPr>
-          <p:cNvSpPr>
-            <a:spLocks noGrp="1"/>
-          </p:cNvSpPr>
-          <p:nvPr>
-            <p:ph idx="1"/>
-          </p:nvPr>
-        </p:nvSpPr>
-        <p:spPr/>
-        <p:txBody>
-          <a:bodyPr/>
-          <a:lstStyle/>
-          <a:p>
-            <a:endParaRPr lang="pt-BR"/>
-          </a:p>
-        </p:txBody>
-      </p:sp>
-    </p:spTree>
-    <p:extLst>
-      <p:ext uri="{BB962C8B-B14F-4D97-AF65-F5344CB8AC3E}">
-        <p14:creationId xmlns:p14="http://schemas.microsoft.com/office/powerpoint/2010/main" val="2767101049"/>
-      </p:ext>
-    </p:extLst>
-  </p:cSld>
-  <p:clrMapOvr>
-    <a:masterClrMapping/>
-  </p:clrMapOvr>
-</p:sld>
-</file>
-
 <file path=ppt/theme/theme1.xml><?xml version="1.0" encoding="utf-8"?>
-<a:theme xmlns:a="http://schemas.openxmlformats.org/drawingml/2006/main" name="Madison">
+<a:theme xmlns:a="http://schemas.openxmlformats.org/drawingml/2006/main" name="Galeria">
   <a:themeElements>
-    <a:clrScheme name="Madison">
+    <a:clrScheme name="Galeria">
       <a:dk1>
         <a:sysClr val="windowText" lastClr="000000"/>
       </a:dk1>
@@ -10849,44 +10747,44 @@
         <a:sysClr val="window" lastClr="FFFFFF"/>
       </a:lt1>
       <a:dk2>
-        <a:srgbClr val="1F2D29"/>
+        <a:srgbClr val="454545"/>
       </a:dk2>
       <a:lt2>
-        <a:srgbClr val="C5FAEB"/>
+        <a:srgbClr val="DFDBD5"/>
       </a:lt2>
       <a:accent1>
-        <a:srgbClr val="A1D68B"/>
+        <a:srgbClr val="B71E42"/>
       </a:accent1>
       <a:accent2>
-        <a:srgbClr val="5EC795"/>
+        <a:srgbClr val="DE478E"/>
       </a:accent2>
       <a:accent3>
-        <a:srgbClr val="4DADCF"/>
+        <a:srgbClr val="BC72F0"/>
       </a:accent3>
       <a:accent4>
-        <a:srgbClr val="CDB756"/>
+        <a:srgbClr val="795FAF"/>
       </a:accent4>
       <a:accent5>
-        <a:srgbClr val="E29C36"/>
+        <a:srgbClr val="586EA6"/>
       </a:accent5>
       <a:accent6>
-        <a:srgbClr val="8EC0C1"/>
+        <a:srgbClr val="6892A0"/>
       </a:accent6>
       <a:hlink>
-        <a:srgbClr val="6D9D9B"/>
+        <a:srgbClr val="FA2B5C"/>
       </a:hlink>
       <a:folHlink>
-        <a:srgbClr val="6D8583"/>
+        <a:srgbClr val="BC658E"/>
       </a:folHlink>
     </a:clrScheme>
-    <a:fontScheme name="Madison">
+    <a:fontScheme name="Galeria">
       <a:majorFont>
-        <a:latin typeface="Arial" panose="020B0604020202020204"/>
+        <a:latin typeface="Gill Sans MT" panose="020B0502020104020203"/>
         <a:ea typeface=""/>
         <a:cs typeface=""/>
-        <a:font script="Jpan" typeface="ＭＳ Ｐゴシック"/>
+        <a:font script="Jpan" typeface="游ゴシック Light"/>
         <a:font script="Hang" typeface="맑은 고딕"/>
-        <a:font script="Hans" typeface="宋体"/>
+        <a:font script="Hans" typeface="等线 Light"/>
         <a:font script="Hant" typeface="新細明體"/>
         <a:font script="Arab" typeface="Times New Roman"/>
         <a:font script="Hebr" typeface="Times New Roman"/>
@@ -10916,12 +10814,12 @@
         <a:font script="Geor" typeface="Sylfaen"/>
       </a:majorFont>
       <a:minorFont>
-        <a:latin typeface="Arial" panose="020B0604020202020204"/>
+        <a:latin typeface="Gill Sans MT" panose="020B0502020104020203"/>
         <a:ea typeface=""/>
         <a:cs typeface=""/>
-        <a:font script="Jpan" typeface="ＭＳ Ｐゴシック"/>
+        <a:font script="Jpan" typeface="游ゴシック"/>
         <a:font script="Hang" typeface="맑은 고딕"/>
-        <a:font script="Hans" typeface="宋体"/>
+        <a:font script="Hans" typeface="等线"/>
         <a:font script="Hant" typeface="新細明體"/>
         <a:font script="Arab" typeface="Arial"/>
         <a:font script="Hebr" typeface="Arial"/>
@@ -10951,7 +10849,7 @@
         <a:font script="Geor" typeface="Sylfaen"/>
       </a:minorFont>
     </a:fontScheme>
-    <a:fmtScheme name="Madison">
+    <a:fmtScheme name="Galeria">
       <a:fillStyleLst>
         <a:solidFill>
           <a:schemeClr val="phClr"/>
@@ -10960,8 +10858,8 @@
           <a:gsLst>
             <a:gs pos="0">
               <a:schemeClr val="phClr">
-                <a:tint val="48000"/>
-                <a:alpha val="88000"/>
+                <a:tint val="54000"/>
+                <a:alpha val="100000"/>
                 <a:satMod val="105000"/>
                 <a:lumMod val="110000"/>
               </a:schemeClr>
@@ -10988,16 +10886,16 @@
             </a:gs>
             <a:gs pos="69000">
               <a:schemeClr val="phClr">
-                <a:shade val="84000"/>
+                <a:shade val="88000"/>
                 <a:satMod val="130000"/>
                 <a:lumMod val="92000"/>
               </a:schemeClr>
             </a:gs>
             <a:gs pos="100000">
               <a:schemeClr val="phClr">
-                <a:shade val="76000"/>
+                <a:shade val="78000"/>
                 <a:satMod val="130000"/>
-                <a:lumMod val="88000"/>
+                <a:lumMod val="92000"/>
               </a:schemeClr>
             </a:gs>
           </a:gsLst>
@@ -11032,7 +10930,24 @@
           <a:effectLst/>
         </a:effectStyle>
         <a:effectStyle>
-          <a:effectLst/>
+          <a:effectLst>
+            <a:outerShdw blurRad="50800" dist="50800" dir="5400000" sx="96000" sy="96000" rotWithShape="0">
+              <a:srgbClr val="000000">
+                <a:alpha val="48000"/>
+              </a:srgbClr>
+            </a:outerShdw>
+          </a:effectLst>
+          <a:scene3d>
+            <a:camera prst="orthographicFront">
+              <a:rot lat="0" lon="0" rev="0"/>
+            </a:camera>
+            <a:lightRig rig="balanced" dir="t">
+              <a:rot lat="0" lon="0" rev="1080000"/>
+            </a:lightRig>
+          </a:scene3d>
+          <a:sp3d>
+            <a:bevelT w="38100" h="12700" prst="softRound"/>
+          </a:sp3d>
         </a:effectStyle>
       </a:effectStyleLst>
       <a:bgFillStyleLst>
@@ -11042,10 +10957,25 @@
         <a:solidFill>
           <a:schemeClr val="phClr"/>
         </a:solidFill>
-        <a:blipFill rotWithShape="1">
-          <a:blip xmlns:r="http://schemas.openxmlformats.org/officeDocument/2006/relationships" r:embed="rId1"/>
-          <a:stretch/>
-        </a:blipFill>
+        <a:gradFill rotWithShape="1">
+          <a:gsLst>
+            <a:gs pos="0">
+              <a:schemeClr val="phClr">
+                <a:tint val="94000"/>
+                <a:satMod val="80000"/>
+                <a:lumMod val="106000"/>
+              </a:schemeClr>
+            </a:gs>
+            <a:gs pos="100000">
+              <a:schemeClr val="phClr">
+                <a:shade val="80000"/>
+              </a:schemeClr>
+            </a:gs>
+          </a:gsLst>
+          <a:path path="circle">
+            <a:fillToRect l="43000" r="43000" b="100000"/>
+          </a:path>
+        </a:gradFill>
       </a:bgFillStyleLst>
     </a:fmtScheme>
   </a:themeElements>
@@ -11053,7 +10983,7 @@
   <a:extraClrSchemeLst/>
   <a:extLst>
     <a:ext uri="{05A4C25C-085E-4340-85A3-A5531E510DB2}">
-      <thm15:themeFamily xmlns:thm15="http://schemas.microsoft.com/office/thememl/2012/main" name="Madison" id="{025CB5FB-2DD3-45EE-B6F0-CC461540EB19}" vid="{6AC10936-2DFC-4054-9ADF-B5E2C5F86190}"/>
+      <thm15:themeFamily xmlns:thm15="http://schemas.microsoft.com/office/thememl/2012/main" name="Gallery" id="{BBFCD31E-59A1-489D-B089-A3EAD7CAE12E}" vid="{F5E91637-A7B6-4E27-B710-77DA7014EE1E}"/>
     </a:ext>
   </a:extLst>
 </a:theme>
